--- a/Short_presentation.pptx
+++ b/Short_presentation.pptx
@@ -5,7 +5,7 @@
     <p:sldMasterId id="2147483659" r:id="rId1"/>
   </p:sldMasterIdLst>
   <p:notesMasterIdLst>
-    <p:notesMasterId r:id="rId13"/>
+    <p:notesMasterId r:id="rId18"/>
   </p:notesMasterIdLst>
   <p:sldIdLst>
     <p:sldId id="256" r:id="rId2"/>
@@ -18,15 +18,20 @@
     <p:sldId id="264" r:id="rId9"/>
     <p:sldId id="265" r:id="rId10"/>
     <p:sldId id="266" r:id="rId11"/>
-    <p:sldId id="263" r:id="rId12"/>
+    <p:sldId id="267" r:id="rId12"/>
+    <p:sldId id="268" r:id="rId13"/>
+    <p:sldId id="269" r:id="rId14"/>
+    <p:sldId id="270" r:id="rId15"/>
+    <p:sldId id="271" r:id="rId16"/>
+    <p:sldId id="263" r:id="rId17"/>
   </p:sldIdLst>
   <p:sldSz cx="12192000" cy="6858000"/>
   <p:notesSz cx="6858000" cy="9144000"/>
   <p:embeddedFontLst>
     <p:embeddedFont>
       <p:font typeface="Play" panose="020B0604020202020204" charset="0"/>
-      <p:regular r:id="rId14"/>
-      <p:bold r:id="rId15"/>
+      <p:regular r:id="rId19"/>
+      <p:bold r:id="rId20"/>
     </p:embeddedFont>
   </p:embeddedFontLst>
   <p:defaultTextStyle>
@@ -258,6 +263,11 @@
       </a:defRPr>
     </a:lvl9pPr>
   </p:defaultTextStyle>
+  <p:extLst>
+    <p:ext uri="{EFAFB233-063F-42B5-8137-9DF3F51BA10A}">
+      <p15:sldGuideLst xmlns:p15="http://schemas.microsoft.com/office/powerpoint/2012/main"/>
+    </p:ext>
+  </p:extLst>
 </p:presentation>
 </file>
 
@@ -934,6 +944,641 @@
 </file>
 
 <file path=ppt/notesSlides/notesSlide11.xml><?xml version="1.0" encoding="utf-8"?>
+<p:notes xmlns:a="http://schemas.openxmlformats.org/drawingml/2006/main" xmlns:r="http://schemas.openxmlformats.org/officeDocument/2006/relationships" xmlns:p="http://schemas.openxmlformats.org/presentationml/2006/main" showMasterSp="0" showMasterPhAnim="0">
+  <p:cSld>
+    <p:spTree>
+      <p:nvGrpSpPr>
+        <p:cNvPr id="1" name="Shape 148">
+          <a:extLst>
+            <a:ext uri="{FF2B5EF4-FFF2-40B4-BE49-F238E27FC236}">
+              <a16:creationId xmlns:a16="http://schemas.microsoft.com/office/drawing/2014/main" id="{3C03FB2E-81A7-483B-BB3E-61731A268D41}"/>
+            </a:ext>
+          </a:extLst>
+        </p:cNvPr>
+        <p:cNvGrpSpPr/>
+        <p:nvPr/>
+      </p:nvGrpSpPr>
+      <p:grpSpPr>
+        <a:xfrm>
+          <a:off x="0" y="0"/>
+          <a:ext cx="0" cy="0"/>
+          <a:chOff x="0" y="0"/>
+          <a:chExt cx="0" cy="0"/>
+        </a:xfrm>
+      </p:grpSpPr>
+      <p:sp>
+        <p:nvSpPr>
+          <p:cNvPr id="149" name="Google Shape;149;p7:notes">
+            <a:extLst>
+              <a:ext uri="{FF2B5EF4-FFF2-40B4-BE49-F238E27FC236}">
+                <a16:creationId xmlns:a16="http://schemas.microsoft.com/office/drawing/2014/main" id="{383013B7-54EC-ED28-FE59-6C632BB5F5FF}"/>
+              </a:ext>
+            </a:extLst>
+          </p:cNvPr>
+          <p:cNvSpPr txBox="1">
+            <a:spLocks noGrp="1"/>
+          </p:cNvSpPr>
+          <p:nvPr>
+            <p:ph type="body" idx="1"/>
+          </p:nvPr>
+        </p:nvSpPr>
+        <p:spPr>
+          <a:xfrm>
+            <a:off x="685800" y="4343400"/>
+            <a:ext cx="5486400" cy="4114800"/>
+          </a:xfrm>
+          <a:prstGeom prst="rect">
+            <a:avLst/>
+          </a:prstGeom>
+        </p:spPr>
+        <p:txBody>
+          <a:bodyPr spcFirstLastPara="1" wrap="square" lIns="91425" tIns="91425" rIns="91425" bIns="91425" anchor="t" anchorCtr="0">
+            <a:noAutofit/>
+          </a:bodyPr>
+          <a:lstStyle/>
+          <a:p>
+            <a:pPr marL="0" lvl="0" indent="0" algn="l" rtl="0">
+              <a:spcBef>
+                <a:spcPts val="0"/>
+              </a:spcBef>
+              <a:spcAft>
+                <a:spcPts val="0"/>
+              </a:spcAft>
+              <a:buNone/>
+            </a:pPr>
+            <a:endParaRPr/>
+          </a:p>
+        </p:txBody>
+      </p:sp>
+      <p:sp>
+        <p:nvSpPr>
+          <p:cNvPr id="150" name="Google Shape;150;p7:notes">
+            <a:extLst>
+              <a:ext uri="{FF2B5EF4-FFF2-40B4-BE49-F238E27FC236}">
+                <a16:creationId xmlns:a16="http://schemas.microsoft.com/office/drawing/2014/main" id="{A087C68C-2532-6CC0-E44A-2472A1FB5261}"/>
+              </a:ext>
+            </a:extLst>
+          </p:cNvPr>
+          <p:cNvSpPr>
+            <a:spLocks noGrp="1" noRot="1" noChangeAspect="1"/>
+          </p:cNvSpPr>
+          <p:nvPr>
+            <p:ph type="sldImg" idx="2"/>
+          </p:nvPr>
+        </p:nvSpPr>
+        <p:spPr>
+          <a:xfrm>
+            <a:off x="381000" y="685800"/>
+            <a:ext cx="6096000" cy="3429000"/>
+          </a:xfrm>
+          <a:custGeom>
+            <a:avLst/>
+            <a:gdLst/>
+            <a:ahLst/>
+            <a:cxnLst/>
+            <a:rect l="l" t="t" r="r" b="b"/>
+            <a:pathLst>
+              <a:path w="120000" h="120000" extrusionOk="0">
+                <a:moveTo>
+                  <a:pt x="0" y="0"/>
+                </a:moveTo>
+                <a:lnTo>
+                  <a:pt x="120000" y="0"/>
+                </a:lnTo>
+                <a:lnTo>
+                  <a:pt x="120000" y="120000"/>
+                </a:lnTo>
+                <a:lnTo>
+                  <a:pt x="0" y="120000"/>
+                </a:lnTo>
+                <a:close/>
+              </a:path>
+            </a:pathLst>
+          </a:custGeom>
+        </p:spPr>
+      </p:sp>
+    </p:spTree>
+    <p:extLst>
+      <p:ext uri="{BB962C8B-B14F-4D97-AF65-F5344CB8AC3E}">
+        <p14:creationId xmlns:p14="http://schemas.microsoft.com/office/powerpoint/2010/main" val="693291706"/>
+      </p:ext>
+    </p:extLst>
+  </p:cSld>
+  <p:clrMapOvr>
+    <a:masterClrMapping/>
+  </p:clrMapOvr>
+</p:notes>
+</file>
+
+<file path=ppt/notesSlides/notesSlide12.xml><?xml version="1.0" encoding="utf-8"?>
+<p:notes xmlns:a="http://schemas.openxmlformats.org/drawingml/2006/main" xmlns:r="http://schemas.openxmlformats.org/officeDocument/2006/relationships" xmlns:p="http://schemas.openxmlformats.org/presentationml/2006/main" showMasterSp="0" showMasterPhAnim="0">
+  <p:cSld>
+    <p:spTree>
+      <p:nvGrpSpPr>
+        <p:cNvPr id="1" name="Shape 148">
+          <a:extLst>
+            <a:ext uri="{FF2B5EF4-FFF2-40B4-BE49-F238E27FC236}">
+              <a16:creationId xmlns:a16="http://schemas.microsoft.com/office/drawing/2014/main" id="{89DF1AA4-21BC-A97E-D4B1-A9405F8C2D9F}"/>
+            </a:ext>
+          </a:extLst>
+        </p:cNvPr>
+        <p:cNvGrpSpPr/>
+        <p:nvPr/>
+      </p:nvGrpSpPr>
+      <p:grpSpPr>
+        <a:xfrm>
+          <a:off x="0" y="0"/>
+          <a:ext cx="0" cy="0"/>
+          <a:chOff x="0" y="0"/>
+          <a:chExt cx="0" cy="0"/>
+        </a:xfrm>
+      </p:grpSpPr>
+      <p:sp>
+        <p:nvSpPr>
+          <p:cNvPr id="149" name="Google Shape;149;p7:notes">
+            <a:extLst>
+              <a:ext uri="{FF2B5EF4-FFF2-40B4-BE49-F238E27FC236}">
+                <a16:creationId xmlns:a16="http://schemas.microsoft.com/office/drawing/2014/main" id="{874CC49C-470F-A101-13FC-551E1C2E5093}"/>
+              </a:ext>
+            </a:extLst>
+          </p:cNvPr>
+          <p:cNvSpPr txBox="1">
+            <a:spLocks noGrp="1"/>
+          </p:cNvSpPr>
+          <p:nvPr>
+            <p:ph type="body" idx="1"/>
+          </p:nvPr>
+        </p:nvSpPr>
+        <p:spPr>
+          <a:xfrm>
+            <a:off x="685800" y="4343400"/>
+            <a:ext cx="5486400" cy="4114800"/>
+          </a:xfrm>
+          <a:prstGeom prst="rect">
+            <a:avLst/>
+          </a:prstGeom>
+        </p:spPr>
+        <p:txBody>
+          <a:bodyPr spcFirstLastPara="1" wrap="square" lIns="91425" tIns="91425" rIns="91425" bIns="91425" anchor="t" anchorCtr="0">
+            <a:noAutofit/>
+          </a:bodyPr>
+          <a:lstStyle/>
+          <a:p>
+            <a:pPr marL="0" lvl="0" indent="0" algn="l" rtl="0">
+              <a:spcBef>
+                <a:spcPts val="0"/>
+              </a:spcBef>
+              <a:spcAft>
+                <a:spcPts val="0"/>
+              </a:spcAft>
+              <a:buNone/>
+            </a:pPr>
+            <a:endParaRPr/>
+          </a:p>
+        </p:txBody>
+      </p:sp>
+      <p:sp>
+        <p:nvSpPr>
+          <p:cNvPr id="150" name="Google Shape;150;p7:notes">
+            <a:extLst>
+              <a:ext uri="{FF2B5EF4-FFF2-40B4-BE49-F238E27FC236}">
+                <a16:creationId xmlns:a16="http://schemas.microsoft.com/office/drawing/2014/main" id="{2A1EDC19-FBDC-5BAB-36CB-E093327F8F71}"/>
+              </a:ext>
+            </a:extLst>
+          </p:cNvPr>
+          <p:cNvSpPr>
+            <a:spLocks noGrp="1" noRot="1" noChangeAspect="1"/>
+          </p:cNvSpPr>
+          <p:nvPr>
+            <p:ph type="sldImg" idx="2"/>
+          </p:nvPr>
+        </p:nvSpPr>
+        <p:spPr>
+          <a:xfrm>
+            <a:off x="381000" y="685800"/>
+            <a:ext cx="6096000" cy="3429000"/>
+          </a:xfrm>
+          <a:custGeom>
+            <a:avLst/>
+            <a:gdLst/>
+            <a:ahLst/>
+            <a:cxnLst/>
+            <a:rect l="l" t="t" r="r" b="b"/>
+            <a:pathLst>
+              <a:path w="120000" h="120000" extrusionOk="0">
+                <a:moveTo>
+                  <a:pt x="0" y="0"/>
+                </a:moveTo>
+                <a:lnTo>
+                  <a:pt x="120000" y="0"/>
+                </a:lnTo>
+                <a:lnTo>
+                  <a:pt x="120000" y="120000"/>
+                </a:lnTo>
+                <a:lnTo>
+                  <a:pt x="0" y="120000"/>
+                </a:lnTo>
+                <a:close/>
+              </a:path>
+            </a:pathLst>
+          </a:custGeom>
+        </p:spPr>
+      </p:sp>
+    </p:spTree>
+    <p:extLst>
+      <p:ext uri="{BB962C8B-B14F-4D97-AF65-F5344CB8AC3E}">
+        <p14:creationId xmlns:p14="http://schemas.microsoft.com/office/powerpoint/2010/main" val="3627368328"/>
+      </p:ext>
+    </p:extLst>
+  </p:cSld>
+  <p:clrMapOvr>
+    <a:masterClrMapping/>
+  </p:clrMapOvr>
+</p:notes>
+</file>
+
+<file path=ppt/notesSlides/notesSlide13.xml><?xml version="1.0" encoding="utf-8"?>
+<p:notes xmlns:a="http://schemas.openxmlformats.org/drawingml/2006/main" xmlns:r="http://schemas.openxmlformats.org/officeDocument/2006/relationships" xmlns:p="http://schemas.openxmlformats.org/presentationml/2006/main" showMasterSp="0" showMasterPhAnim="0">
+  <p:cSld>
+    <p:spTree>
+      <p:nvGrpSpPr>
+        <p:cNvPr id="1" name="Shape 148">
+          <a:extLst>
+            <a:ext uri="{FF2B5EF4-FFF2-40B4-BE49-F238E27FC236}">
+              <a16:creationId xmlns:a16="http://schemas.microsoft.com/office/drawing/2014/main" id="{B63AEECA-AC82-F63E-576A-825284513118}"/>
+            </a:ext>
+          </a:extLst>
+        </p:cNvPr>
+        <p:cNvGrpSpPr/>
+        <p:nvPr/>
+      </p:nvGrpSpPr>
+      <p:grpSpPr>
+        <a:xfrm>
+          <a:off x="0" y="0"/>
+          <a:ext cx="0" cy="0"/>
+          <a:chOff x="0" y="0"/>
+          <a:chExt cx="0" cy="0"/>
+        </a:xfrm>
+      </p:grpSpPr>
+      <p:sp>
+        <p:nvSpPr>
+          <p:cNvPr id="149" name="Google Shape;149;p7:notes">
+            <a:extLst>
+              <a:ext uri="{FF2B5EF4-FFF2-40B4-BE49-F238E27FC236}">
+                <a16:creationId xmlns:a16="http://schemas.microsoft.com/office/drawing/2014/main" id="{5A3932C5-84C1-FEFC-DBC9-A99898FB7B14}"/>
+              </a:ext>
+            </a:extLst>
+          </p:cNvPr>
+          <p:cNvSpPr txBox="1">
+            <a:spLocks noGrp="1"/>
+          </p:cNvSpPr>
+          <p:nvPr>
+            <p:ph type="body" idx="1"/>
+          </p:nvPr>
+        </p:nvSpPr>
+        <p:spPr>
+          <a:xfrm>
+            <a:off x="685800" y="4343400"/>
+            <a:ext cx="5486400" cy="4114800"/>
+          </a:xfrm>
+          <a:prstGeom prst="rect">
+            <a:avLst/>
+          </a:prstGeom>
+        </p:spPr>
+        <p:txBody>
+          <a:bodyPr spcFirstLastPara="1" wrap="square" lIns="91425" tIns="91425" rIns="91425" bIns="91425" anchor="t" anchorCtr="0">
+            <a:noAutofit/>
+          </a:bodyPr>
+          <a:lstStyle/>
+          <a:p>
+            <a:pPr marL="0" lvl="0" indent="0" algn="l" rtl="0">
+              <a:spcBef>
+                <a:spcPts val="0"/>
+              </a:spcBef>
+              <a:spcAft>
+                <a:spcPts val="0"/>
+              </a:spcAft>
+              <a:buNone/>
+            </a:pPr>
+            <a:endParaRPr/>
+          </a:p>
+        </p:txBody>
+      </p:sp>
+      <p:sp>
+        <p:nvSpPr>
+          <p:cNvPr id="150" name="Google Shape;150;p7:notes">
+            <a:extLst>
+              <a:ext uri="{FF2B5EF4-FFF2-40B4-BE49-F238E27FC236}">
+                <a16:creationId xmlns:a16="http://schemas.microsoft.com/office/drawing/2014/main" id="{EF0F0920-6F61-E6F9-D553-547CEA054A63}"/>
+              </a:ext>
+            </a:extLst>
+          </p:cNvPr>
+          <p:cNvSpPr>
+            <a:spLocks noGrp="1" noRot="1" noChangeAspect="1"/>
+          </p:cNvSpPr>
+          <p:nvPr>
+            <p:ph type="sldImg" idx="2"/>
+          </p:nvPr>
+        </p:nvSpPr>
+        <p:spPr>
+          <a:xfrm>
+            <a:off x="381000" y="685800"/>
+            <a:ext cx="6096000" cy="3429000"/>
+          </a:xfrm>
+          <a:custGeom>
+            <a:avLst/>
+            <a:gdLst/>
+            <a:ahLst/>
+            <a:cxnLst/>
+            <a:rect l="l" t="t" r="r" b="b"/>
+            <a:pathLst>
+              <a:path w="120000" h="120000" extrusionOk="0">
+                <a:moveTo>
+                  <a:pt x="0" y="0"/>
+                </a:moveTo>
+                <a:lnTo>
+                  <a:pt x="120000" y="0"/>
+                </a:lnTo>
+                <a:lnTo>
+                  <a:pt x="120000" y="120000"/>
+                </a:lnTo>
+                <a:lnTo>
+                  <a:pt x="0" y="120000"/>
+                </a:lnTo>
+                <a:close/>
+              </a:path>
+            </a:pathLst>
+          </a:custGeom>
+        </p:spPr>
+      </p:sp>
+    </p:spTree>
+    <p:extLst>
+      <p:ext uri="{BB962C8B-B14F-4D97-AF65-F5344CB8AC3E}">
+        <p14:creationId xmlns:p14="http://schemas.microsoft.com/office/powerpoint/2010/main" val="2805001272"/>
+      </p:ext>
+    </p:extLst>
+  </p:cSld>
+  <p:clrMapOvr>
+    <a:masterClrMapping/>
+  </p:clrMapOvr>
+</p:notes>
+</file>
+
+<file path=ppt/notesSlides/notesSlide14.xml><?xml version="1.0" encoding="utf-8"?>
+<p:notes xmlns:a="http://schemas.openxmlformats.org/drawingml/2006/main" xmlns:r="http://schemas.openxmlformats.org/officeDocument/2006/relationships" xmlns:p="http://schemas.openxmlformats.org/presentationml/2006/main" showMasterSp="0" showMasterPhAnim="0">
+  <p:cSld>
+    <p:spTree>
+      <p:nvGrpSpPr>
+        <p:cNvPr id="1" name="Shape 148">
+          <a:extLst>
+            <a:ext uri="{FF2B5EF4-FFF2-40B4-BE49-F238E27FC236}">
+              <a16:creationId xmlns:a16="http://schemas.microsoft.com/office/drawing/2014/main" id="{B0F9DC59-D099-5977-1BA8-534157CB3000}"/>
+            </a:ext>
+          </a:extLst>
+        </p:cNvPr>
+        <p:cNvGrpSpPr/>
+        <p:nvPr/>
+      </p:nvGrpSpPr>
+      <p:grpSpPr>
+        <a:xfrm>
+          <a:off x="0" y="0"/>
+          <a:ext cx="0" cy="0"/>
+          <a:chOff x="0" y="0"/>
+          <a:chExt cx="0" cy="0"/>
+        </a:xfrm>
+      </p:grpSpPr>
+      <p:sp>
+        <p:nvSpPr>
+          <p:cNvPr id="149" name="Google Shape;149;p7:notes">
+            <a:extLst>
+              <a:ext uri="{FF2B5EF4-FFF2-40B4-BE49-F238E27FC236}">
+                <a16:creationId xmlns:a16="http://schemas.microsoft.com/office/drawing/2014/main" id="{45AE8B85-15AB-E5C9-964B-33AEDF3F1944}"/>
+              </a:ext>
+            </a:extLst>
+          </p:cNvPr>
+          <p:cNvSpPr txBox="1">
+            <a:spLocks noGrp="1"/>
+          </p:cNvSpPr>
+          <p:nvPr>
+            <p:ph type="body" idx="1"/>
+          </p:nvPr>
+        </p:nvSpPr>
+        <p:spPr>
+          <a:xfrm>
+            <a:off x="685800" y="4343400"/>
+            <a:ext cx="5486400" cy="4114800"/>
+          </a:xfrm>
+          <a:prstGeom prst="rect">
+            <a:avLst/>
+          </a:prstGeom>
+        </p:spPr>
+        <p:txBody>
+          <a:bodyPr spcFirstLastPara="1" wrap="square" lIns="91425" tIns="91425" rIns="91425" bIns="91425" anchor="t" anchorCtr="0">
+            <a:noAutofit/>
+          </a:bodyPr>
+          <a:lstStyle/>
+          <a:p>
+            <a:pPr marL="0" lvl="0" indent="0" algn="l" rtl="0">
+              <a:spcBef>
+                <a:spcPts val="0"/>
+              </a:spcBef>
+              <a:spcAft>
+                <a:spcPts val="0"/>
+              </a:spcAft>
+              <a:buNone/>
+            </a:pPr>
+            <a:endParaRPr/>
+          </a:p>
+        </p:txBody>
+      </p:sp>
+      <p:sp>
+        <p:nvSpPr>
+          <p:cNvPr id="150" name="Google Shape;150;p7:notes">
+            <a:extLst>
+              <a:ext uri="{FF2B5EF4-FFF2-40B4-BE49-F238E27FC236}">
+                <a16:creationId xmlns:a16="http://schemas.microsoft.com/office/drawing/2014/main" id="{EB28BA59-258F-52B9-B67D-CF9BD73C91EB}"/>
+              </a:ext>
+            </a:extLst>
+          </p:cNvPr>
+          <p:cNvSpPr>
+            <a:spLocks noGrp="1" noRot="1" noChangeAspect="1"/>
+          </p:cNvSpPr>
+          <p:nvPr>
+            <p:ph type="sldImg" idx="2"/>
+          </p:nvPr>
+        </p:nvSpPr>
+        <p:spPr>
+          <a:xfrm>
+            <a:off x="381000" y="685800"/>
+            <a:ext cx="6096000" cy="3429000"/>
+          </a:xfrm>
+          <a:custGeom>
+            <a:avLst/>
+            <a:gdLst/>
+            <a:ahLst/>
+            <a:cxnLst/>
+            <a:rect l="l" t="t" r="r" b="b"/>
+            <a:pathLst>
+              <a:path w="120000" h="120000" extrusionOk="0">
+                <a:moveTo>
+                  <a:pt x="0" y="0"/>
+                </a:moveTo>
+                <a:lnTo>
+                  <a:pt x="120000" y="0"/>
+                </a:lnTo>
+                <a:lnTo>
+                  <a:pt x="120000" y="120000"/>
+                </a:lnTo>
+                <a:lnTo>
+                  <a:pt x="0" y="120000"/>
+                </a:lnTo>
+                <a:close/>
+              </a:path>
+            </a:pathLst>
+          </a:custGeom>
+        </p:spPr>
+      </p:sp>
+    </p:spTree>
+    <p:extLst>
+      <p:ext uri="{BB962C8B-B14F-4D97-AF65-F5344CB8AC3E}">
+        <p14:creationId xmlns:p14="http://schemas.microsoft.com/office/powerpoint/2010/main" val="34351917"/>
+      </p:ext>
+    </p:extLst>
+  </p:cSld>
+  <p:clrMapOvr>
+    <a:masterClrMapping/>
+  </p:clrMapOvr>
+</p:notes>
+</file>
+
+<file path=ppt/notesSlides/notesSlide15.xml><?xml version="1.0" encoding="utf-8"?>
+<p:notes xmlns:a="http://schemas.openxmlformats.org/drawingml/2006/main" xmlns:r="http://schemas.openxmlformats.org/officeDocument/2006/relationships" xmlns:p="http://schemas.openxmlformats.org/presentationml/2006/main" showMasterSp="0" showMasterPhAnim="0">
+  <p:cSld>
+    <p:spTree>
+      <p:nvGrpSpPr>
+        <p:cNvPr id="1" name="Shape 148">
+          <a:extLst>
+            <a:ext uri="{FF2B5EF4-FFF2-40B4-BE49-F238E27FC236}">
+              <a16:creationId xmlns:a16="http://schemas.microsoft.com/office/drawing/2014/main" id="{4C35E76B-179B-2803-270C-A071C919AEAC}"/>
+            </a:ext>
+          </a:extLst>
+        </p:cNvPr>
+        <p:cNvGrpSpPr/>
+        <p:nvPr/>
+      </p:nvGrpSpPr>
+      <p:grpSpPr>
+        <a:xfrm>
+          <a:off x="0" y="0"/>
+          <a:ext cx="0" cy="0"/>
+          <a:chOff x="0" y="0"/>
+          <a:chExt cx="0" cy="0"/>
+        </a:xfrm>
+      </p:grpSpPr>
+      <p:sp>
+        <p:nvSpPr>
+          <p:cNvPr id="149" name="Google Shape;149;p7:notes">
+            <a:extLst>
+              <a:ext uri="{FF2B5EF4-FFF2-40B4-BE49-F238E27FC236}">
+                <a16:creationId xmlns:a16="http://schemas.microsoft.com/office/drawing/2014/main" id="{D574AC6E-7659-9C30-2A27-90502A051A29}"/>
+              </a:ext>
+            </a:extLst>
+          </p:cNvPr>
+          <p:cNvSpPr txBox="1">
+            <a:spLocks noGrp="1"/>
+          </p:cNvSpPr>
+          <p:nvPr>
+            <p:ph type="body" idx="1"/>
+          </p:nvPr>
+        </p:nvSpPr>
+        <p:spPr>
+          <a:xfrm>
+            <a:off x="685800" y="4343400"/>
+            <a:ext cx="5486400" cy="4114800"/>
+          </a:xfrm>
+          <a:prstGeom prst="rect">
+            <a:avLst/>
+          </a:prstGeom>
+        </p:spPr>
+        <p:txBody>
+          <a:bodyPr spcFirstLastPara="1" wrap="square" lIns="91425" tIns="91425" rIns="91425" bIns="91425" anchor="t" anchorCtr="0">
+            <a:noAutofit/>
+          </a:bodyPr>
+          <a:lstStyle/>
+          <a:p>
+            <a:pPr marL="0" lvl="0" indent="0" algn="l" rtl="0">
+              <a:spcBef>
+                <a:spcPts val="0"/>
+              </a:spcBef>
+              <a:spcAft>
+                <a:spcPts val="0"/>
+              </a:spcAft>
+              <a:buNone/>
+            </a:pPr>
+            <a:endParaRPr/>
+          </a:p>
+        </p:txBody>
+      </p:sp>
+      <p:sp>
+        <p:nvSpPr>
+          <p:cNvPr id="150" name="Google Shape;150;p7:notes">
+            <a:extLst>
+              <a:ext uri="{FF2B5EF4-FFF2-40B4-BE49-F238E27FC236}">
+                <a16:creationId xmlns:a16="http://schemas.microsoft.com/office/drawing/2014/main" id="{4E4718E7-B69A-61C3-B61F-D6AB96073A58}"/>
+              </a:ext>
+            </a:extLst>
+          </p:cNvPr>
+          <p:cNvSpPr>
+            <a:spLocks noGrp="1" noRot="1" noChangeAspect="1"/>
+          </p:cNvSpPr>
+          <p:nvPr>
+            <p:ph type="sldImg" idx="2"/>
+          </p:nvPr>
+        </p:nvSpPr>
+        <p:spPr>
+          <a:xfrm>
+            <a:off x="381000" y="685800"/>
+            <a:ext cx="6096000" cy="3429000"/>
+          </a:xfrm>
+          <a:custGeom>
+            <a:avLst/>
+            <a:gdLst/>
+            <a:ahLst/>
+            <a:cxnLst/>
+            <a:rect l="l" t="t" r="r" b="b"/>
+            <a:pathLst>
+              <a:path w="120000" h="120000" extrusionOk="0">
+                <a:moveTo>
+                  <a:pt x="0" y="0"/>
+                </a:moveTo>
+                <a:lnTo>
+                  <a:pt x="120000" y="0"/>
+                </a:lnTo>
+                <a:lnTo>
+                  <a:pt x="120000" y="120000"/>
+                </a:lnTo>
+                <a:lnTo>
+                  <a:pt x="0" y="120000"/>
+                </a:lnTo>
+                <a:close/>
+              </a:path>
+            </a:pathLst>
+          </a:custGeom>
+        </p:spPr>
+      </p:sp>
+    </p:spTree>
+    <p:extLst>
+      <p:ext uri="{BB962C8B-B14F-4D97-AF65-F5344CB8AC3E}">
+        <p14:creationId xmlns:p14="http://schemas.microsoft.com/office/powerpoint/2010/main" val="3383800331"/>
+      </p:ext>
+    </p:extLst>
+  </p:cSld>
+  <p:clrMapOvr>
+    <a:masterClrMapping/>
+  </p:clrMapOvr>
+</p:notes>
+</file>
+
+<file path=ppt/notesSlides/notesSlide16.xml><?xml version="1.0" encoding="utf-8"?>
 <p:notes xmlns:a="http://schemas.openxmlformats.org/drawingml/2006/main" xmlns:r="http://schemas.openxmlformats.org/officeDocument/2006/relationships" xmlns:p="http://schemas.openxmlformats.org/presentationml/2006/main" showMasterSp="0" showMasterPhAnim="0">
   <p:cSld>
     <p:spTree>
@@ -13566,6 +14211,3353 @@
 <file path=ppt/slides/slide11.xml><?xml version="1.0" encoding="utf-8"?>
 <p:sld xmlns:a="http://schemas.openxmlformats.org/drawingml/2006/main" xmlns:r="http://schemas.openxmlformats.org/officeDocument/2006/relationships" xmlns:p="http://schemas.openxmlformats.org/presentationml/2006/main">
   <p:cSld>
+    <p:spTree>
+      <p:nvGrpSpPr>
+        <p:cNvPr id="1" name="Shape 151">
+          <a:extLst>
+            <a:ext uri="{FF2B5EF4-FFF2-40B4-BE49-F238E27FC236}">
+              <a16:creationId xmlns:a16="http://schemas.microsoft.com/office/drawing/2014/main" id="{12737E98-C1CD-3FA1-D44E-573B6F51159C}"/>
+            </a:ext>
+          </a:extLst>
+        </p:cNvPr>
+        <p:cNvGrpSpPr/>
+        <p:nvPr/>
+      </p:nvGrpSpPr>
+      <p:grpSpPr>
+        <a:xfrm>
+          <a:off x="0" y="0"/>
+          <a:ext cx="0" cy="0"/>
+          <a:chOff x="0" y="0"/>
+          <a:chExt cx="0" cy="0"/>
+        </a:xfrm>
+      </p:grpSpPr>
+      <p:sp>
+        <p:nvSpPr>
+          <p:cNvPr id="152" name="Google Shape;152;p19">
+            <a:extLst>
+              <a:ext uri="{FF2B5EF4-FFF2-40B4-BE49-F238E27FC236}">
+                <a16:creationId xmlns:a16="http://schemas.microsoft.com/office/drawing/2014/main" id="{46333494-3B2D-7C03-40FD-3F8B21E8BF61}"/>
+              </a:ext>
+            </a:extLst>
+          </p:cNvPr>
+          <p:cNvSpPr/>
+          <p:nvPr/>
+        </p:nvSpPr>
+        <p:spPr>
+          <a:xfrm>
+            <a:off x="0" y="0"/>
+            <a:ext cx="12192000" cy="6858000"/>
+          </a:xfrm>
+          <a:prstGeom prst="rect">
+            <a:avLst/>
+          </a:prstGeom>
+          <a:solidFill>
+            <a:schemeClr val="lt1"/>
+          </a:solidFill>
+          <a:ln>
+            <a:noFill/>
+          </a:ln>
+        </p:spPr>
+        <p:txBody>
+          <a:bodyPr spcFirstLastPara="1" wrap="square" lIns="91425" tIns="45700" rIns="91425" bIns="45700" anchor="ctr" anchorCtr="0">
+            <a:noAutofit/>
+          </a:bodyPr>
+          <a:lstStyle/>
+          <a:p>
+            <a:pPr marL="0" marR="0" lvl="0" indent="0" algn="ctr" rtl="0">
+              <a:spcBef>
+                <a:spcPts val="0"/>
+              </a:spcBef>
+              <a:spcAft>
+                <a:spcPts val="0"/>
+              </a:spcAft>
+              <a:buNone/>
+            </a:pPr>
+            <a:endParaRPr sz="1800" b="0" i="0" u="none" strike="noStrike" cap="none" dirty="0">
+              <a:solidFill>
+                <a:schemeClr val="lt1"/>
+              </a:solidFill>
+              <a:latin typeface="Arial"/>
+              <a:ea typeface="Arial"/>
+              <a:cs typeface="Arial"/>
+              <a:sym typeface="Arial"/>
+            </a:endParaRPr>
+          </a:p>
+        </p:txBody>
+      </p:sp>
+      <p:sp>
+        <p:nvSpPr>
+          <p:cNvPr id="153" name="Google Shape;153;p19">
+            <a:extLst>
+              <a:ext uri="{FF2B5EF4-FFF2-40B4-BE49-F238E27FC236}">
+                <a16:creationId xmlns:a16="http://schemas.microsoft.com/office/drawing/2014/main" id="{49B3BC16-B789-82EC-4931-B656832F02A8}"/>
+              </a:ext>
+            </a:extLst>
+          </p:cNvPr>
+          <p:cNvSpPr/>
+          <p:nvPr/>
+        </p:nvSpPr>
+        <p:spPr>
+          <a:xfrm flipH="1">
+            <a:off x="-1" y="-1"/>
+            <a:ext cx="12191998" cy="1590742"/>
+          </a:xfrm>
+          <a:prstGeom prst="rect">
+            <a:avLst/>
+          </a:prstGeom>
+          <a:gradFill>
+            <a:gsLst>
+              <a:gs pos="0">
+                <a:srgbClr val="000000"/>
+              </a:gs>
+              <a:gs pos="100000">
+                <a:srgbClr val="0F4861"/>
+              </a:gs>
+            </a:gsLst>
+            <a:lin ang="8400000" scaled="0"/>
+          </a:gradFill>
+          <a:ln>
+            <a:noFill/>
+          </a:ln>
+        </p:spPr>
+        <p:txBody>
+          <a:bodyPr spcFirstLastPara="1" wrap="square" lIns="91425" tIns="45700" rIns="91425" bIns="45700" anchor="ctr" anchorCtr="0">
+            <a:noAutofit/>
+          </a:bodyPr>
+          <a:lstStyle/>
+          <a:p>
+            <a:pPr marL="0" marR="0" lvl="0" indent="0" algn="ctr" rtl="0">
+              <a:spcBef>
+                <a:spcPts val="0"/>
+              </a:spcBef>
+              <a:spcAft>
+                <a:spcPts val="0"/>
+              </a:spcAft>
+              <a:buNone/>
+            </a:pPr>
+            <a:endParaRPr sz="1800" b="0" i="0" u="none" strike="noStrike" cap="none">
+              <a:solidFill>
+                <a:schemeClr val="lt1"/>
+              </a:solidFill>
+              <a:latin typeface="Arial"/>
+              <a:ea typeface="Arial"/>
+              <a:cs typeface="Arial"/>
+              <a:sym typeface="Arial"/>
+            </a:endParaRPr>
+          </a:p>
+        </p:txBody>
+      </p:sp>
+      <p:sp>
+        <p:nvSpPr>
+          <p:cNvPr id="154" name="Google Shape;154;p19">
+            <a:extLst>
+              <a:ext uri="{FF2B5EF4-FFF2-40B4-BE49-F238E27FC236}">
+                <a16:creationId xmlns:a16="http://schemas.microsoft.com/office/drawing/2014/main" id="{93D11749-98CF-9709-0F6B-2AA8FCB55BB7}"/>
+              </a:ext>
+            </a:extLst>
+          </p:cNvPr>
+          <p:cNvSpPr/>
+          <p:nvPr/>
+        </p:nvSpPr>
+        <p:spPr>
+          <a:xfrm rot="10800000" flipH="1">
+            <a:off x="-3" y="0"/>
+            <a:ext cx="8115306" cy="1590742"/>
+          </a:xfrm>
+          <a:prstGeom prst="rect">
+            <a:avLst/>
+          </a:prstGeom>
+          <a:gradFill>
+            <a:gsLst>
+              <a:gs pos="0">
+                <a:srgbClr val="156082">
+                  <a:alpha val="0"/>
+                </a:srgbClr>
+              </a:gs>
+              <a:gs pos="20000">
+                <a:srgbClr val="156082">
+                  <a:alpha val="0"/>
+                </a:srgbClr>
+              </a:gs>
+              <a:gs pos="100000">
+                <a:srgbClr val="0A3041">
+                  <a:alpha val="54901"/>
+                </a:srgbClr>
+              </a:gs>
+            </a:gsLst>
+            <a:lin ang="13800001" scaled="0"/>
+          </a:gradFill>
+          <a:ln>
+            <a:noFill/>
+          </a:ln>
+        </p:spPr>
+        <p:txBody>
+          <a:bodyPr spcFirstLastPara="1" wrap="square" lIns="91425" tIns="45700" rIns="91425" bIns="45700" anchor="ctr" anchorCtr="0">
+            <a:noAutofit/>
+          </a:bodyPr>
+          <a:lstStyle/>
+          <a:p>
+            <a:pPr marL="0" marR="0" lvl="0" indent="0" algn="ctr" rtl="0">
+              <a:spcBef>
+                <a:spcPts val="0"/>
+              </a:spcBef>
+              <a:spcAft>
+                <a:spcPts val="0"/>
+              </a:spcAft>
+              <a:buNone/>
+            </a:pPr>
+            <a:endParaRPr sz="1800" b="0" i="0" u="none" strike="noStrike" cap="none">
+              <a:solidFill>
+                <a:schemeClr val="lt1"/>
+              </a:solidFill>
+              <a:latin typeface="Arial"/>
+              <a:ea typeface="Arial"/>
+              <a:cs typeface="Arial"/>
+              <a:sym typeface="Arial"/>
+            </a:endParaRPr>
+          </a:p>
+        </p:txBody>
+      </p:sp>
+      <p:sp>
+        <p:nvSpPr>
+          <p:cNvPr id="155" name="Google Shape;155;p19">
+            <a:extLst>
+              <a:ext uri="{FF2B5EF4-FFF2-40B4-BE49-F238E27FC236}">
+                <a16:creationId xmlns:a16="http://schemas.microsoft.com/office/drawing/2014/main" id="{849E3A12-A91E-E7E6-D114-51E806397585}"/>
+              </a:ext>
+            </a:extLst>
+          </p:cNvPr>
+          <p:cNvSpPr/>
+          <p:nvPr/>
+        </p:nvSpPr>
+        <p:spPr>
+          <a:xfrm flipH="1">
+            <a:off x="8115299" y="-1"/>
+            <a:ext cx="4076698" cy="1590742"/>
+          </a:xfrm>
+          <a:prstGeom prst="rect">
+            <a:avLst/>
+          </a:prstGeom>
+          <a:gradFill>
+            <a:gsLst>
+              <a:gs pos="0">
+                <a:srgbClr val="156082">
+                  <a:alpha val="65882"/>
+                </a:srgbClr>
+              </a:gs>
+              <a:gs pos="100000">
+                <a:srgbClr val="000000">
+                  <a:alpha val="29803"/>
+                </a:srgbClr>
+              </a:gs>
+            </a:gsLst>
+            <a:lin ang="13200000" scaled="0"/>
+          </a:gradFill>
+          <a:ln>
+            <a:noFill/>
+          </a:ln>
+        </p:spPr>
+        <p:txBody>
+          <a:bodyPr spcFirstLastPara="1" wrap="square" lIns="91425" tIns="45700" rIns="91425" bIns="45700" anchor="ctr" anchorCtr="0">
+            <a:noAutofit/>
+          </a:bodyPr>
+          <a:lstStyle/>
+          <a:p>
+            <a:pPr marL="0" marR="0" lvl="0" indent="0" algn="ctr" rtl="0">
+              <a:spcBef>
+                <a:spcPts val="0"/>
+              </a:spcBef>
+              <a:spcAft>
+                <a:spcPts val="0"/>
+              </a:spcAft>
+              <a:buNone/>
+            </a:pPr>
+            <a:endParaRPr sz="1800" b="0" i="0" u="none" strike="noStrike" cap="none">
+              <a:solidFill>
+                <a:schemeClr val="lt1"/>
+              </a:solidFill>
+              <a:latin typeface="Arial"/>
+              <a:ea typeface="Arial"/>
+              <a:cs typeface="Arial"/>
+              <a:sym typeface="Arial"/>
+            </a:endParaRPr>
+          </a:p>
+        </p:txBody>
+      </p:sp>
+      <p:sp>
+        <p:nvSpPr>
+          <p:cNvPr id="156" name="Google Shape;156;p19">
+            <a:extLst>
+              <a:ext uri="{FF2B5EF4-FFF2-40B4-BE49-F238E27FC236}">
+                <a16:creationId xmlns:a16="http://schemas.microsoft.com/office/drawing/2014/main" id="{5B90F066-5E57-66AA-57F7-EBC7F0F374DB}"/>
+              </a:ext>
+            </a:extLst>
+          </p:cNvPr>
+          <p:cNvSpPr/>
+          <p:nvPr/>
+        </p:nvSpPr>
+        <p:spPr>
+          <a:xfrm>
+            <a:off x="229675" y="36884"/>
+            <a:ext cx="11732646" cy="1597433"/>
+          </a:xfrm>
+          <a:prstGeom prst="rect">
+            <a:avLst/>
+          </a:prstGeom>
+          <a:gradFill>
+            <a:gsLst>
+              <a:gs pos="0">
+                <a:srgbClr val="000000">
+                  <a:alpha val="0"/>
+                </a:srgbClr>
+              </a:gs>
+              <a:gs pos="50000">
+                <a:srgbClr val="000000">
+                  <a:alpha val="0"/>
+                </a:srgbClr>
+              </a:gs>
+              <a:gs pos="99000">
+                <a:srgbClr val="0A3041">
+                  <a:alpha val="51764"/>
+                </a:srgbClr>
+              </a:gs>
+              <a:gs pos="100000">
+                <a:srgbClr val="0A3041">
+                  <a:alpha val="51764"/>
+                </a:srgbClr>
+              </a:gs>
+            </a:gsLst>
+            <a:lin ang="16800000" scaled="0"/>
+          </a:gradFill>
+          <a:ln>
+            <a:noFill/>
+          </a:ln>
+        </p:spPr>
+        <p:txBody>
+          <a:bodyPr spcFirstLastPara="1" wrap="square" lIns="91425" tIns="45700" rIns="91425" bIns="45700" anchor="ctr" anchorCtr="0">
+            <a:noAutofit/>
+          </a:bodyPr>
+          <a:lstStyle/>
+          <a:p>
+            <a:pPr marL="0" marR="0" lvl="0" indent="0" algn="ctr" rtl="0">
+              <a:spcBef>
+                <a:spcPts val="0"/>
+              </a:spcBef>
+              <a:spcAft>
+                <a:spcPts val="0"/>
+              </a:spcAft>
+              <a:buNone/>
+            </a:pPr>
+            <a:endParaRPr sz="1800" b="0" i="0" u="none" strike="noStrike" cap="none">
+              <a:solidFill>
+                <a:schemeClr val="lt1"/>
+              </a:solidFill>
+              <a:latin typeface="Arial"/>
+              <a:ea typeface="Arial"/>
+              <a:cs typeface="Arial"/>
+              <a:sym typeface="Arial"/>
+            </a:endParaRPr>
+          </a:p>
+        </p:txBody>
+      </p:sp>
+      <p:sp>
+        <p:nvSpPr>
+          <p:cNvPr id="157" name="Google Shape;157;p19">
+            <a:extLst>
+              <a:ext uri="{FF2B5EF4-FFF2-40B4-BE49-F238E27FC236}">
+                <a16:creationId xmlns:a16="http://schemas.microsoft.com/office/drawing/2014/main" id="{9D2040CE-1951-5D50-EBA8-64C87B3E9E77}"/>
+              </a:ext>
+            </a:extLst>
+          </p:cNvPr>
+          <p:cNvSpPr txBox="1">
+            <a:spLocks noGrp="1"/>
+          </p:cNvSpPr>
+          <p:nvPr>
+            <p:ph type="title"/>
+          </p:nvPr>
+        </p:nvSpPr>
+        <p:spPr>
+          <a:xfrm>
+            <a:off x="1371599" y="294538"/>
+            <a:ext cx="9895951" cy="1033669"/>
+          </a:xfrm>
+          <a:prstGeom prst="rect">
+            <a:avLst/>
+          </a:prstGeom>
+          <a:noFill/>
+          <a:ln>
+            <a:noFill/>
+          </a:ln>
+        </p:spPr>
+        <p:txBody>
+          <a:bodyPr spcFirstLastPara="1" wrap="square" lIns="91425" tIns="45700" rIns="91425" bIns="45700" anchor="ctr" anchorCtr="0">
+            <a:normAutofit fontScale="90000"/>
+          </a:bodyPr>
+          <a:lstStyle/>
+          <a:p>
+            <a:pPr lvl="0">
+              <a:buClr>
+                <a:srgbClr val="FFFFFF"/>
+              </a:buClr>
+              <a:buSzPts val="4000"/>
+            </a:pPr>
+            <a:r>
+              <a:rPr lang="hu-HU" sz="4000" dirty="0" err="1">
+                <a:solidFill>
+                  <a:schemeClr val="bg1"/>
+                </a:solidFill>
+              </a:rPr>
+              <a:t>Exoskeleton</a:t>
+            </a:r>
+            <a:r>
+              <a:rPr lang="hu-HU" sz="4000" dirty="0">
+                <a:solidFill>
+                  <a:schemeClr val="bg1"/>
+                </a:solidFill>
+              </a:rPr>
+              <a:t> építés: mérési eredmények (összefoglaló)</a:t>
+            </a:r>
+            <a:endParaRPr dirty="0">
+              <a:solidFill>
+                <a:schemeClr val="bg1"/>
+              </a:solidFill>
+            </a:endParaRPr>
+          </a:p>
+        </p:txBody>
+      </p:sp>
+      <p:sp>
+        <p:nvSpPr>
+          <p:cNvPr id="158" name="Google Shape;158;p19">
+            <a:extLst>
+              <a:ext uri="{FF2B5EF4-FFF2-40B4-BE49-F238E27FC236}">
+                <a16:creationId xmlns:a16="http://schemas.microsoft.com/office/drawing/2014/main" id="{D5957C6E-B805-E2AC-41ED-F618F146CF61}"/>
+              </a:ext>
+            </a:extLst>
+          </p:cNvPr>
+          <p:cNvSpPr txBox="1">
+            <a:spLocks noGrp="1"/>
+          </p:cNvSpPr>
+          <p:nvPr>
+            <p:ph type="body" idx="1"/>
+          </p:nvPr>
+        </p:nvSpPr>
+        <p:spPr>
+          <a:xfrm>
+            <a:off x="705101" y="1691375"/>
+            <a:ext cx="10781793" cy="5109566"/>
+          </a:xfrm>
+          <a:prstGeom prst="rect">
+            <a:avLst/>
+          </a:prstGeom>
+          <a:noFill/>
+          <a:ln>
+            <a:noFill/>
+          </a:ln>
+        </p:spPr>
+        <p:txBody>
+          <a:bodyPr spcFirstLastPara="1" wrap="square" lIns="91425" tIns="45700" rIns="91425" bIns="45700" anchor="ctr" anchorCtr="0">
+            <a:noAutofit/>
+          </a:bodyPr>
+          <a:lstStyle/>
+          <a:p>
+            <a:pPr marL="228600" lvl="0" indent="-228600">
+              <a:spcBef>
+                <a:spcPts val="100"/>
+              </a:spcBef>
+              <a:spcAft>
+                <a:spcPts val="100"/>
+              </a:spcAft>
+              <a:buSzPts val="2000"/>
+            </a:pPr>
+            <a:r>
+              <a:rPr lang="hu-HU" sz="1500" b="1" dirty="0"/>
+              <a:t>Mit mértünk?</a:t>
+            </a:r>
+            <a:br>
+              <a:rPr lang="hu-HU" sz="1500" dirty="0"/>
+            </a:br>
+            <a:r>
+              <a:rPr lang="hu-HU" sz="1500" dirty="0"/>
+              <a:t>– Az 1. fázisban hány </a:t>
+            </a:r>
+            <a:r>
+              <a:rPr lang="hu-HU" sz="1500" i="1" dirty="0"/>
+              <a:t>transzformáció</a:t>
+            </a:r>
+            <a:r>
+              <a:rPr lang="hu-HU" sz="1500" dirty="0"/>
+              <a:t> történt</a:t>
+            </a:r>
+            <a:br>
+              <a:rPr lang="hu-HU" sz="1500" dirty="0"/>
+            </a:br>
+            <a:r>
+              <a:rPr lang="hu-HU" sz="1500" dirty="0"/>
+              <a:t>– Egy transzformáción belül hány modul tudott </a:t>
+            </a:r>
+            <a:r>
+              <a:rPr lang="hu-HU" sz="1500" b="1" dirty="0"/>
+              <a:t>párhuzamosan</a:t>
+            </a:r>
+            <a:r>
+              <a:rPr lang="hu-HU" sz="1500" dirty="0"/>
+              <a:t> mozogni</a:t>
+            </a:r>
+            <a:br>
+              <a:rPr lang="hu-HU" sz="1500" dirty="0"/>
+            </a:br>
+            <a:r>
+              <a:rPr lang="hu-HU" sz="1500" dirty="0"/>
+              <a:t>– Ebből látszik a rendszer párhuzamosítási képessége (mennyire “együtt mozognak” a modulok)</a:t>
+            </a:r>
+          </a:p>
+          <a:p>
+            <a:pPr marL="228600" lvl="0" indent="-228600">
+              <a:spcBef>
+                <a:spcPts val="100"/>
+              </a:spcBef>
+              <a:spcAft>
+                <a:spcPts val="100"/>
+              </a:spcAft>
+              <a:buSzPts val="2000"/>
+            </a:pPr>
+            <a:r>
+              <a:rPr lang="hu-HU" sz="1500" b="1" dirty="0"/>
+              <a:t>Fő tapasztalatok:</a:t>
+            </a:r>
+            <a:endParaRPr lang="hu-HU" sz="1500" dirty="0"/>
+          </a:p>
+          <a:p>
+            <a:pPr marL="114300" indent="0">
+              <a:buNone/>
+            </a:pPr>
+            <a:r>
+              <a:rPr lang="hu-HU" sz="1500" dirty="0"/>
+              <a:t>– A transzformációk száma erősen függ a kiinduló forma összetettségétől</a:t>
+            </a:r>
+          </a:p>
+          <a:p>
+            <a:r>
+              <a:rPr lang="hu-HU" sz="1500" dirty="0"/>
+              <a:t>A program gyakran képes </a:t>
+            </a:r>
+            <a:r>
+              <a:rPr lang="hu-HU" sz="1500" b="1" dirty="0"/>
+              <a:t>nagyon sok modult egyszerre</a:t>
+            </a:r>
+            <a:r>
+              <a:rPr lang="hu-HU" sz="1500" dirty="0"/>
+              <a:t> mozgatni</a:t>
+            </a:r>
+          </a:p>
+          <a:p>
+            <a:r>
+              <a:rPr lang="hu-HU" sz="1500" dirty="0"/>
+              <a:t>Tendencia:</a:t>
+            </a:r>
+          </a:p>
+          <a:p>
+            <a:pPr lvl="1"/>
+            <a:r>
+              <a:rPr lang="hu-HU" sz="1500" dirty="0"/>
+              <a:t>első transzformációk → sok modul mozog</a:t>
+            </a:r>
+          </a:p>
+          <a:p>
+            <a:pPr lvl="1"/>
+            <a:r>
+              <a:rPr lang="hu-HU" sz="1500" dirty="0"/>
+              <a:t>későbbi transzformációk → finomhangolás, 1–3 modul mozog</a:t>
+            </a:r>
+          </a:p>
+          <a:p>
+            <a:r>
+              <a:rPr lang="hu-HU" sz="1500" dirty="0"/>
+              <a:t>A rendszer jól </a:t>
+            </a:r>
+            <a:r>
+              <a:rPr lang="hu-HU" sz="1500" dirty="0" err="1"/>
+              <a:t>skálázódik</a:t>
+            </a:r>
+            <a:r>
+              <a:rPr lang="hu-HU" sz="1500" dirty="0"/>
+              <a:t>: több modul → nem lineárisan több transzformáció</a:t>
+            </a:r>
+          </a:p>
+          <a:p>
+            <a:r>
+              <a:rPr lang="hu-HU" sz="1500" b="1" dirty="0"/>
+              <a:t>Globális átlagok (15 – 30 modulszám esetén):</a:t>
+            </a:r>
+            <a:endParaRPr lang="hu-HU" sz="1500" dirty="0"/>
+          </a:p>
+          <a:p>
+            <a:r>
+              <a:rPr lang="hu-HU" sz="1500" dirty="0"/>
+              <a:t>Átlagos transzformációszám: </a:t>
+            </a:r>
+            <a:r>
+              <a:rPr lang="hu-HU" sz="1500" b="1" dirty="0"/>
+              <a:t>~6–7</a:t>
+            </a:r>
+            <a:endParaRPr lang="hu-HU" sz="1500" dirty="0"/>
+          </a:p>
+          <a:p>
+            <a:r>
+              <a:rPr lang="hu-HU" sz="1500" dirty="0"/>
+              <a:t>Egy transzformációban átlagosan:</a:t>
+            </a:r>
+          </a:p>
+          <a:p>
+            <a:pPr lvl="1"/>
+            <a:r>
+              <a:rPr lang="hu-HU" sz="1500" dirty="0"/>
+              <a:t>Első fázisok: </a:t>
+            </a:r>
+            <a:r>
+              <a:rPr lang="hu-HU" sz="1500" b="1" dirty="0"/>
+              <a:t>10–14 modul</a:t>
+            </a:r>
+            <a:endParaRPr lang="hu-HU" sz="1500" dirty="0"/>
+          </a:p>
+          <a:p>
+            <a:pPr lvl="1"/>
+            <a:r>
+              <a:rPr lang="hu-HU" sz="1500" dirty="0"/>
+              <a:t>Később: </a:t>
+            </a:r>
+            <a:r>
+              <a:rPr lang="hu-HU" sz="1500" b="1" dirty="0"/>
+              <a:t>1–3 modul</a:t>
+            </a:r>
+            <a:endParaRPr lang="hu-HU" sz="1500" dirty="0"/>
+          </a:p>
+          <a:p>
+            <a:r>
+              <a:rPr lang="hu-HU" sz="1500" dirty="0"/>
+              <a:t>Erős párhuzamosítás: az első lépésben sokszor a modulok </a:t>
+            </a:r>
+            <a:r>
+              <a:rPr lang="hu-HU" sz="1500" b="1" dirty="0"/>
+              <a:t>40–50%-a egyszerre</a:t>
+            </a:r>
+            <a:r>
+              <a:rPr lang="hu-HU" sz="1500" dirty="0"/>
+              <a:t> mozog</a:t>
+            </a:r>
+          </a:p>
+          <a:p>
+            <a:pPr marL="228600" lvl="0" indent="-228600">
+              <a:spcBef>
+                <a:spcPts val="100"/>
+              </a:spcBef>
+              <a:spcAft>
+                <a:spcPts val="100"/>
+              </a:spcAft>
+              <a:buSzPts val="2000"/>
+            </a:pPr>
+            <a:endParaRPr lang="hu-HU" sz="1500" dirty="0"/>
+          </a:p>
+        </p:txBody>
+      </p:sp>
+    </p:spTree>
+    <p:extLst>
+      <p:ext uri="{BB962C8B-B14F-4D97-AF65-F5344CB8AC3E}">
+        <p14:creationId xmlns:p14="http://schemas.microsoft.com/office/powerpoint/2010/main" val="1275021335"/>
+      </p:ext>
+    </p:extLst>
+  </p:cSld>
+  <p:clrMapOvr>
+    <a:masterClrMapping/>
+  </p:clrMapOvr>
+</p:sld>
+</file>
+
+<file path=ppt/slides/slide12.xml><?xml version="1.0" encoding="utf-8"?>
+<p:sld xmlns:a="http://schemas.openxmlformats.org/drawingml/2006/main" xmlns:r="http://schemas.openxmlformats.org/officeDocument/2006/relationships" xmlns:p="http://schemas.openxmlformats.org/presentationml/2006/main">
+  <p:cSld>
+    <p:spTree>
+      <p:nvGrpSpPr>
+        <p:cNvPr id="1" name="Shape 151">
+          <a:extLst>
+            <a:ext uri="{FF2B5EF4-FFF2-40B4-BE49-F238E27FC236}">
+              <a16:creationId xmlns:a16="http://schemas.microsoft.com/office/drawing/2014/main" id="{BE9FFA85-3A1A-0B6F-BCEC-F184F3C597A4}"/>
+            </a:ext>
+          </a:extLst>
+        </p:cNvPr>
+        <p:cNvGrpSpPr/>
+        <p:nvPr/>
+      </p:nvGrpSpPr>
+      <p:grpSpPr>
+        <a:xfrm>
+          <a:off x="0" y="0"/>
+          <a:ext cx="0" cy="0"/>
+          <a:chOff x="0" y="0"/>
+          <a:chExt cx="0" cy="0"/>
+        </a:xfrm>
+      </p:grpSpPr>
+      <p:sp>
+        <p:nvSpPr>
+          <p:cNvPr id="152" name="Google Shape;152;p19">
+            <a:extLst>
+              <a:ext uri="{FF2B5EF4-FFF2-40B4-BE49-F238E27FC236}">
+                <a16:creationId xmlns:a16="http://schemas.microsoft.com/office/drawing/2014/main" id="{E411B617-4501-0460-DF40-7C2C7683D4DC}"/>
+              </a:ext>
+            </a:extLst>
+          </p:cNvPr>
+          <p:cNvSpPr/>
+          <p:nvPr/>
+        </p:nvSpPr>
+        <p:spPr>
+          <a:xfrm>
+            <a:off x="0" y="0"/>
+            <a:ext cx="12192000" cy="6858000"/>
+          </a:xfrm>
+          <a:prstGeom prst="rect">
+            <a:avLst/>
+          </a:prstGeom>
+          <a:solidFill>
+            <a:schemeClr val="lt1"/>
+          </a:solidFill>
+          <a:ln>
+            <a:noFill/>
+          </a:ln>
+        </p:spPr>
+        <p:txBody>
+          <a:bodyPr spcFirstLastPara="1" wrap="square" lIns="91425" tIns="45700" rIns="91425" bIns="45700" anchor="ctr" anchorCtr="0">
+            <a:noAutofit/>
+          </a:bodyPr>
+          <a:lstStyle/>
+          <a:p>
+            <a:pPr marL="0" marR="0" lvl="0" indent="0" algn="ctr" rtl="0">
+              <a:spcBef>
+                <a:spcPts val="0"/>
+              </a:spcBef>
+              <a:spcAft>
+                <a:spcPts val="0"/>
+              </a:spcAft>
+              <a:buNone/>
+            </a:pPr>
+            <a:endParaRPr sz="1800" b="0" i="0" u="none" strike="noStrike" cap="none" dirty="0">
+              <a:solidFill>
+                <a:schemeClr val="lt1"/>
+              </a:solidFill>
+              <a:latin typeface="Arial"/>
+              <a:ea typeface="Arial"/>
+              <a:cs typeface="Arial"/>
+              <a:sym typeface="Arial"/>
+            </a:endParaRPr>
+          </a:p>
+        </p:txBody>
+      </p:sp>
+      <p:sp>
+        <p:nvSpPr>
+          <p:cNvPr id="153" name="Google Shape;153;p19">
+            <a:extLst>
+              <a:ext uri="{FF2B5EF4-FFF2-40B4-BE49-F238E27FC236}">
+                <a16:creationId xmlns:a16="http://schemas.microsoft.com/office/drawing/2014/main" id="{AD63659F-C3CC-836E-1CF6-33C98A3D8A10}"/>
+              </a:ext>
+            </a:extLst>
+          </p:cNvPr>
+          <p:cNvSpPr/>
+          <p:nvPr/>
+        </p:nvSpPr>
+        <p:spPr>
+          <a:xfrm flipH="1">
+            <a:off x="-1" y="-1"/>
+            <a:ext cx="12191998" cy="1590742"/>
+          </a:xfrm>
+          <a:prstGeom prst="rect">
+            <a:avLst/>
+          </a:prstGeom>
+          <a:gradFill>
+            <a:gsLst>
+              <a:gs pos="0">
+                <a:srgbClr val="000000"/>
+              </a:gs>
+              <a:gs pos="100000">
+                <a:srgbClr val="0F4861"/>
+              </a:gs>
+            </a:gsLst>
+            <a:lin ang="8400000" scaled="0"/>
+          </a:gradFill>
+          <a:ln>
+            <a:noFill/>
+          </a:ln>
+        </p:spPr>
+        <p:txBody>
+          <a:bodyPr spcFirstLastPara="1" wrap="square" lIns="91425" tIns="45700" rIns="91425" bIns="45700" anchor="ctr" anchorCtr="0">
+            <a:noAutofit/>
+          </a:bodyPr>
+          <a:lstStyle/>
+          <a:p>
+            <a:pPr marL="0" marR="0" lvl="0" indent="0" algn="ctr" rtl="0">
+              <a:spcBef>
+                <a:spcPts val="0"/>
+              </a:spcBef>
+              <a:spcAft>
+                <a:spcPts val="0"/>
+              </a:spcAft>
+              <a:buNone/>
+            </a:pPr>
+            <a:endParaRPr sz="1800" b="0" i="0" u="none" strike="noStrike" cap="none">
+              <a:solidFill>
+                <a:schemeClr val="lt1"/>
+              </a:solidFill>
+              <a:latin typeface="Arial"/>
+              <a:ea typeface="Arial"/>
+              <a:cs typeface="Arial"/>
+              <a:sym typeface="Arial"/>
+            </a:endParaRPr>
+          </a:p>
+        </p:txBody>
+      </p:sp>
+      <p:sp>
+        <p:nvSpPr>
+          <p:cNvPr id="154" name="Google Shape;154;p19">
+            <a:extLst>
+              <a:ext uri="{FF2B5EF4-FFF2-40B4-BE49-F238E27FC236}">
+                <a16:creationId xmlns:a16="http://schemas.microsoft.com/office/drawing/2014/main" id="{8AD2C4F2-FDAD-F2E3-241B-40B97CB13186}"/>
+              </a:ext>
+            </a:extLst>
+          </p:cNvPr>
+          <p:cNvSpPr/>
+          <p:nvPr/>
+        </p:nvSpPr>
+        <p:spPr>
+          <a:xfrm rot="10800000" flipH="1">
+            <a:off x="-3" y="0"/>
+            <a:ext cx="8115306" cy="1590742"/>
+          </a:xfrm>
+          <a:prstGeom prst="rect">
+            <a:avLst/>
+          </a:prstGeom>
+          <a:gradFill>
+            <a:gsLst>
+              <a:gs pos="0">
+                <a:srgbClr val="156082">
+                  <a:alpha val="0"/>
+                </a:srgbClr>
+              </a:gs>
+              <a:gs pos="20000">
+                <a:srgbClr val="156082">
+                  <a:alpha val="0"/>
+                </a:srgbClr>
+              </a:gs>
+              <a:gs pos="100000">
+                <a:srgbClr val="0A3041">
+                  <a:alpha val="54901"/>
+                </a:srgbClr>
+              </a:gs>
+            </a:gsLst>
+            <a:lin ang="13800001" scaled="0"/>
+          </a:gradFill>
+          <a:ln>
+            <a:noFill/>
+          </a:ln>
+        </p:spPr>
+        <p:txBody>
+          <a:bodyPr spcFirstLastPara="1" wrap="square" lIns="91425" tIns="45700" rIns="91425" bIns="45700" anchor="ctr" anchorCtr="0">
+            <a:noAutofit/>
+          </a:bodyPr>
+          <a:lstStyle/>
+          <a:p>
+            <a:pPr marL="0" marR="0" lvl="0" indent="0" algn="ctr" rtl="0">
+              <a:spcBef>
+                <a:spcPts val="0"/>
+              </a:spcBef>
+              <a:spcAft>
+                <a:spcPts val="0"/>
+              </a:spcAft>
+              <a:buNone/>
+            </a:pPr>
+            <a:endParaRPr sz="1800" b="0" i="0" u="none" strike="noStrike" cap="none">
+              <a:solidFill>
+                <a:schemeClr val="lt1"/>
+              </a:solidFill>
+              <a:latin typeface="Arial"/>
+              <a:ea typeface="Arial"/>
+              <a:cs typeface="Arial"/>
+              <a:sym typeface="Arial"/>
+            </a:endParaRPr>
+          </a:p>
+        </p:txBody>
+      </p:sp>
+      <p:sp>
+        <p:nvSpPr>
+          <p:cNvPr id="155" name="Google Shape;155;p19">
+            <a:extLst>
+              <a:ext uri="{FF2B5EF4-FFF2-40B4-BE49-F238E27FC236}">
+                <a16:creationId xmlns:a16="http://schemas.microsoft.com/office/drawing/2014/main" id="{5584851D-4614-117D-E957-48F674B26376}"/>
+              </a:ext>
+            </a:extLst>
+          </p:cNvPr>
+          <p:cNvSpPr/>
+          <p:nvPr/>
+        </p:nvSpPr>
+        <p:spPr>
+          <a:xfrm flipH="1">
+            <a:off x="8115299" y="-1"/>
+            <a:ext cx="4076698" cy="1590742"/>
+          </a:xfrm>
+          <a:prstGeom prst="rect">
+            <a:avLst/>
+          </a:prstGeom>
+          <a:gradFill>
+            <a:gsLst>
+              <a:gs pos="0">
+                <a:srgbClr val="156082">
+                  <a:alpha val="65882"/>
+                </a:srgbClr>
+              </a:gs>
+              <a:gs pos="100000">
+                <a:srgbClr val="000000">
+                  <a:alpha val="29803"/>
+                </a:srgbClr>
+              </a:gs>
+            </a:gsLst>
+            <a:lin ang="13200000" scaled="0"/>
+          </a:gradFill>
+          <a:ln>
+            <a:noFill/>
+          </a:ln>
+        </p:spPr>
+        <p:txBody>
+          <a:bodyPr spcFirstLastPara="1" wrap="square" lIns="91425" tIns="45700" rIns="91425" bIns="45700" anchor="ctr" anchorCtr="0">
+            <a:noAutofit/>
+          </a:bodyPr>
+          <a:lstStyle/>
+          <a:p>
+            <a:pPr marL="0" marR="0" lvl="0" indent="0" algn="ctr" rtl="0">
+              <a:spcBef>
+                <a:spcPts val="0"/>
+              </a:spcBef>
+              <a:spcAft>
+                <a:spcPts val="0"/>
+              </a:spcAft>
+              <a:buNone/>
+            </a:pPr>
+            <a:endParaRPr sz="1800" b="0" i="0" u="none" strike="noStrike" cap="none">
+              <a:solidFill>
+                <a:schemeClr val="lt1"/>
+              </a:solidFill>
+              <a:latin typeface="Arial"/>
+              <a:ea typeface="Arial"/>
+              <a:cs typeface="Arial"/>
+              <a:sym typeface="Arial"/>
+            </a:endParaRPr>
+          </a:p>
+        </p:txBody>
+      </p:sp>
+      <p:sp>
+        <p:nvSpPr>
+          <p:cNvPr id="156" name="Google Shape;156;p19">
+            <a:extLst>
+              <a:ext uri="{FF2B5EF4-FFF2-40B4-BE49-F238E27FC236}">
+                <a16:creationId xmlns:a16="http://schemas.microsoft.com/office/drawing/2014/main" id="{365CF7CA-C4BF-7302-FBC9-9B6A0A9B286E}"/>
+              </a:ext>
+            </a:extLst>
+          </p:cNvPr>
+          <p:cNvSpPr/>
+          <p:nvPr/>
+        </p:nvSpPr>
+        <p:spPr>
+          <a:xfrm>
+            <a:off x="229675" y="36884"/>
+            <a:ext cx="11732646" cy="1597433"/>
+          </a:xfrm>
+          <a:prstGeom prst="rect">
+            <a:avLst/>
+          </a:prstGeom>
+          <a:gradFill>
+            <a:gsLst>
+              <a:gs pos="0">
+                <a:srgbClr val="000000">
+                  <a:alpha val="0"/>
+                </a:srgbClr>
+              </a:gs>
+              <a:gs pos="50000">
+                <a:srgbClr val="000000">
+                  <a:alpha val="0"/>
+                </a:srgbClr>
+              </a:gs>
+              <a:gs pos="99000">
+                <a:srgbClr val="0A3041">
+                  <a:alpha val="51764"/>
+                </a:srgbClr>
+              </a:gs>
+              <a:gs pos="100000">
+                <a:srgbClr val="0A3041">
+                  <a:alpha val="51764"/>
+                </a:srgbClr>
+              </a:gs>
+            </a:gsLst>
+            <a:lin ang="16800000" scaled="0"/>
+          </a:gradFill>
+          <a:ln>
+            <a:noFill/>
+          </a:ln>
+        </p:spPr>
+        <p:txBody>
+          <a:bodyPr spcFirstLastPara="1" wrap="square" lIns="91425" tIns="45700" rIns="91425" bIns="45700" anchor="ctr" anchorCtr="0">
+            <a:noAutofit/>
+          </a:bodyPr>
+          <a:lstStyle/>
+          <a:p>
+            <a:pPr marL="0" marR="0" lvl="0" indent="0" algn="ctr" rtl="0">
+              <a:spcBef>
+                <a:spcPts val="0"/>
+              </a:spcBef>
+              <a:spcAft>
+                <a:spcPts val="0"/>
+              </a:spcAft>
+              <a:buNone/>
+            </a:pPr>
+            <a:endParaRPr sz="1800" b="0" i="0" u="none" strike="noStrike" cap="none">
+              <a:solidFill>
+                <a:schemeClr val="lt1"/>
+              </a:solidFill>
+              <a:latin typeface="Arial"/>
+              <a:ea typeface="Arial"/>
+              <a:cs typeface="Arial"/>
+              <a:sym typeface="Arial"/>
+            </a:endParaRPr>
+          </a:p>
+        </p:txBody>
+      </p:sp>
+      <p:sp>
+        <p:nvSpPr>
+          <p:cNvPr id="157" name="Google Shape;157;p19">
+            <a:extLst>
+              <a:ext uri="{FF2B5EF4-FFF2-40B4-BE49-F238E27FC236}">
+                <a16:creationId xmlns:a16="http://schemas.microsoft.com/office/drawing/2014/main" id="{1BAA74E2-9C10-9AE1-8C8F-60D6F0DC277D}"/>
+              </a:ext>
+            </a:extLst>
+          </p:cNvPr>
+          <p:cNvSpPr txBox="1">
+            <a:spLocks noGrp="1"/>
+          </p:cNvSpPr>
+          <p:nvPr>
+            <p:ph type="title"/>
+          </p:nvPr>
+        </p:nvSpPr>
+        <p:spPr>
+          <a:xfrm>
+            <a:off x="1371599" y="294538"/>
+            <a:ext cx="9895951" cy="1033669"/>
+          </a:xfrm>
+          <a:prstGeom prst="rect">
+            <a:avLst/>
+          </a:prstGeom>
+          <a:noFill/>
+          <a:ln>
+            <a:noFill/>
+          </a:ln>
+        </p:spPr>
+        <p:txBody>
+          <a:bodyPr spcFirstLastPara="1" wrap="square" lIns="91425" tIns="45700" rIns="91425" bIns="45700" anchor="ctr" anchorCtr="0">
+            <a:normAutofit/>
+          </a:bodyPr>
+          <a:lstStyle/>
+          <a:p>
+            <a:pPr lvl="0">
+              <a:buClr>
+                <a:srgbClr val="FFFFFF"/>
+              </a:buClr>
+              <a:buSzPts val="4000"/>
+            </a:pPr>
+            <a:r>
+              <a:rPr lang="hu-HU" sz="4000" dirty="0">
+                <a:solidFill>
+                  <a:schemeClr val="bg1"/>
+                </a:solidFill>
+              </a:rPr>
+              <a:t>Konkrét példák</a:t>
+            </a:r>
+            <a:endParaRPr dirty="0">
+              <a:solidFill>
+                <a:schemeClr val="bg1"/>
+              </a:solidFill>
+            </a:endParaRPr>
+          </a:p>
+        </p:txBody>
+      </p:sp>
+      <p:sp>
+        <p:nvSpPr>
+          <p:cNvPr id="158" name="Google Shape;158;p19">
+            <a:extLst>
+              <a:ext uri="{FF2B5EF4-FFF2-40B4-BE49-F238E27FC236}">
+                <a16:creationId xmlns:a16="http://schemas.microsoft.com/office/drawing/2014/main" id="{92FC655A-63A2-8101-2137-17969781BB74}"/>
+              </a:ext>
+            </a:extLst>
+          </p:cNvPr>
+          <p:cNvSpPr txBox="1">
+            <a:spLocks noGrp="1"/>
+          </p:cNvSpPr>
+          <p:nvPr>
+            <p:ph type="body" idx="1"/>
+          </p:nvPr>
+        </p:nvSpPr>
+        <p:spPr>
+          <a:xfrm>
+            <a:off x="229675" y="1627625"/>
+            <a:ext cx="2897635" cy="3061045"/>
+          </a:xfrm>
+          <a:prstGeom prst="rect">
+            <a:avLst/>
+          </a:prstGeom>
+          <a:noFill/>
+          <a:ln>
+            <a:noFill/>
+          </a:ln>
+        </p:spPr>
+        <p:txBody>
+          <a:bodyPr spcFirstLastPara="1" wrap="square" lIns="91425" tIns="45700" rIns="91425" bIns="45700" anchor="ctr" anchorCtr="0">
+            <a:noAutofit/>
+          </a:bodyPr>
+          <a:lstStyle/>
+          <a:p>
+            <a:pPr>
+              <a:spcBef>
+                <a:spcPts val="0"/>
+              </a:spcBef>
+            </a:pPr>
+            <a:r>
+              <a:rPr lang="hu-HU" sz="1600" b="1" dirty="0"/>
+              <a:t>27 modul → 6 transzformáció</a:t>
+            </a:r>
+            <a:endParaRPr lang="hu-HU" sz="1600" dirty="0"/>
+          </a:p>
+          <a:p>
+            <a:r>
+              <a:rPr lang="hu-HU" sz="1600" dirty="0"/>
+              <a:t>10 modul</a:t>
+            </a:r>
+          </a:p>
+          <a:p>
+            <a:r>
+              <a:rPr lang="hu-HU" sz="1600" dirty="0"/>
+              <a:t>7 modul</a:t>
+            </a:r>
+          </a:p>
+          <a:p>
+            <a:r>
+              <a:rPr lang="hu-HU" sz="1600" dirty="0"/>
+              <a:t>5 modul</a:t>
+            </a:r>
+          </a:p>
+          <a:p>
+            <a:r>
+              <a:rPr lang="hu-HU" sz="1600" dirty="0"/>
+              <a:t>2 modul</a:t>
+            </a:r>
+          </a:p>
+          <a:p>
+            <a:r>
+              <a:rPr lang="hu-HU" sz="1600" dirty="0"/>
+              <a:t>3 modul</a:t>
+            </a:r>
+          </a:p>
+          <a:p>
+            <a:r>
+              <a:rPr lang="hu-HU" sz="1600" dirty="0"/>
+              <a:t>2 modul</a:t>
+            </a:r>
+          </a:p>
+          <a:p>
+            <a:pPr marL="228600" lvl="0" indent="-228600">
+              <a:spcBef>
+                <a:spcPts val="100"/>
+              </a:spcBef>
+              <a:spcAft>
+                <a:spcPts val="100"/>
+              </a:spcAft>
+              <a:buSzPts val="2000"/>
+            </a:pPr>
+            <a:endParaRPr lang="hu-HU" sz="1500" dirty="0"/>
+          </a:p>
+        </p:txBody>
+      </p:sp>
+      <p:sp>
+        <p:nvSpPr>
+          <p:cNvPr id="2" name="Szövegdoboz 1">
+            <a:extLst>
+              <a:ext uri="{FF2B5EF4-FFF2-40B4-BE49-F238E27FC236}">
+                <a16:creationId xmlns:a16="http://schemas.microsoft.com/office/drawing/2014/main" id="{6A3B0CF6-DA47-063C-5FF6-8E493E0D5FA9}"/>
+              </a:ext>
+            </a:extLst>
+          </p:cNvPr>
+          <p:cNvSpPr txBox="1"/>
+          <p:nvPr/>
+        </p:nvSpPr>
+        <p:spPr>
+          <a:xfrm>
+            <a:off x="2766312" y="1671199"/>
+            <a:ext cx="1929384" cy="1169551"/>
+          </a:xfrm>
+          <a:prstGeom prst="rect">
+            <a:avLst/>
+          </a:prstGeom>
+          <a:noFill/>
+        </p:spPr>
+        <p:txBody>
+          <a:bodyPr wrap="square" rtlCol="0">
+            <a:spAutoFit/>
+          </a:bodyPr>
+          <a:lstStyle/>
+          <a:p>
+            <a:r>
+              <a:rPr lang="hu-HU" b="1" dirty="0"/>
+              <a:t>28 modul → 2 transzformáció</a:t>
+            </a:r>
+            <a:endParaRPr lang="hu-HU" dirty="0"/>
+          </a:p>
+          <a:p>
+            <a:r>
+              <a:rPr lang="hu-HU" dirty="0"/>
+              <a:t>7 modul</a:t>
+            </a:r>
+          </a:p>
+          <a:p>
+            <a:r>
+              <a:rPr lang="hu-HU" dirty="0"/>
+              <a:t>1 modul</a:t>
+            </a:r>
+          </a:p>
+          <a:p>
+            <a:endParaRPr lang="hu-HU" dirty="0"/>
+          </a:p>
+        </p:txBody>
+      </p:sp>
+      <p:sp>
+        <p:nvSpPr>
+          <p:cNvPr id="3" name="Szövegdoboz 2">
+            <a:extLst>
+              <a:ext uri="{FF2B5EF4-FFF2-40B4-BE49-F238E27FC236}">
+                <a16:creationId xmlns:a16="http://schemas.microsoft.com/office/drawing/2014/main" id="{25F8F8FC-A4E2-681B-AE17-689446620BF8}"/>
+              </a:ext>
+            </a:extLst>
+          </p:cNvPr>
+          <p:cNvSpPr txBox="1"/>
+          <p:nvPr/>
+        </p:nvSpPr>
+        <p:spPr>
+          <a:xfrm>
+            <a:off x="4948935" y="1661740"/>
+            <a:ext cx="2029968" cy="1815882"/>
+          </a:xfrm>
+          <a:prstGeom prst="rect">
+            <a:avLst/>
+          </a:prstGeom>
+          <a:noFill/>
+        </p:spPr>
+        <p:txBody>
+          <a:bodyPr wrap="square" rtlCol="0">
+            <a:spAutoFit/>
+          </a:bodyPr>
+          <a:lstStyle/>
+          <a:p>
+            <a:r>
+              <a:rPr lang="hu-HU" b="1" dirty="0"/>
+              <a:t>15 modul → 5 transzformáció</a:t>
+            </a:r>
+            <a:endParaRPr lang="hu-HU" dirty="0"/>
+          </a:p>
+          <a:p>
+            <a:r>
+              <a:rPr lang="hu-HU" dirty="0"/>
+              <a:t>7 modul</a:t>
+            </a:r>
+          </a:p>
+          <a:p>
+            <a:r>
+              <a:rPr lang="hu-HU" dirty="0"/>
+              <a:t>2 modul</a:t>
+            </a:r>
+          </a:p>
+          <a:p>
+            <a:r>
+              <a:rPr lang="hu-HU" dirty="0"/>
+              <a:t>1 modul</a:t>
+            </a:r>
+          </a:p>
+          <a:p>
+            <a:r>
+              <a:rPr lang="hu-HU" dirty="0"/>
+              <a:t>1 modul</a:t>
+            </a:r>
+          </a:p>
+          <a:p>
+            <a:r>
+              <a:rPr lang="hu-HU" dirty="0"/>
+              <a:t>1 modul</a:t>
+            </a:r>
+          </a:p>
+          <a:p>
+            <a:endParaRPr lang="hu-HU" dirty="0"/>
+          </a:p>
+        </p:txBody>
+      </p:sp>
+      <p:sp>
+        <p:nvSpPr>
+          <p:cNvPr id="4" name="Szövegdoboz 3">
+            <a:extLst>
+              <a:ext uri="{FF2B5EF4-FFF2-40B4-BE49-F238E27FC236}">
+                <a16:creationId xmlns:a16="http://schemas.microsoft.com/office/drawing/2014/main" id="{526F103B-197A-231F-8F87-8124CC7BB2B2}"/>
+              </a:ext>
+            </a:extLst>
+          </p:cNvPr>
+          <p:cNvSpPr txBox="1"/>
+          <p:nvPr/>
+        </p:nvSpPr>
+        <p:spPr>
+          <a:xfrm>
+            <a:off x="7455027" y="1661740"/>
+            <a:ext cx="1600200" cy="2246769"/>
+          </a:xfrm>
+          <a:prstGeom prst="rect">
+            <a:avLst/>
+          </a:prstGeom>
+          <a:noFill/>
+        </p:spPr>
+        <p:txBody>
+          <a:bodyPr wrap="square" rtlCol="0">
+            <a:spAutoFit/>
+          </a:bodyPr>
+          <a:lstStyle/>
+          <a:p>
+            <a:r>
+              <a:rPr lang="hu-HU" b="1" dirty="0"/>
+              <a:t>30 modul → 8 transzformáció</a:t>
+            </a:r>
+            <a:endParaRPr lang="hu-HU" dirty="0"/>
+          </a:p>
+          <a:p>
+            <a:r>
+              <a:rPr lang="hu-HU" dirty="0"/>
+              <a:t>14 modul</a:t>
+            </a:r>
+          </a:p>
+          <a:p>
+            <a:r>
+              <a:rPr lang="hu-HU" dirty="0"/>
+              <a:t>3 modul</a:t>
+            </a:r>
+          </a:p>
+          <a:p>
+            <a:r>
+              <a:rPr lang="hu-HU" dirty="0"/>
+              <a:t>3 modul</a:t>
+            </a:r>
+          </a:p>
+          <a:p>
+            <a:r>
+              <a:rPr lang="hu-HU" dirty="0"/>
+              <a:t>3 modul</a:t>
+            </a:r>
+          </a:p>
+          <a:p>
+            <a:r>
+              <a:rPr lang="hu-HU" dirty="0"/>
+              <a:t>2 modul</a:t>
+            </a:r>
+          </a:p>
+          <a:p>
+            <a:r>
+              <a:rPr lang="hu-HU" dirty="0"/>
+              <a:t>1 modul</a:t>
+            </a:r>
+          </a:p>
+          <a:p>
+            <a:r>
+              <a:rPr lang="hu-HU" dirty="0"/>
+              <a:t>1 modul</a:t>
+            </a:r>
+          </a:p>
+          <a:p>
+            <a:r>
+              <a:rPr lang="hu-HU" dirty="0"/>
+              <a:t>1 modul</a:t>
+            </a:r>
+          </a:p>
+        </p:txBody>
+      </p:sp>
+      <p:sp>
+        <p:nvSpPr>
+          <p:cNvPr id="5" name="Szövegdoboz 4">
+            <a:extLst>
+              <a:ext uri="{FF2B5EF4-FFF2-40B4-BE49-F238E27FC236}">
+                <a16:creationId xmlns:a16="http://schemas.microsoft.com/office/drawing/2014/main" id="{25CBCAF0-0E0F-0A99-5006-2EC4BEF62098}"/>
+              </a:ext>
+            </a:extLst>
+          </p:cNvPr>
+          <p:cNvSpPr txBox="1"/>
+          <p:nvPr/>
+        </p:nvSpPr>
+        <p:spPr>
+          <a:xfrm>
+            <a:off x="9685908" y="1662055"/>
+            <a:ext cx="2029968" cy="2893100"/>
+          </a:xfrm>
+          <a:prstGeom prst="rect">
+            <a:avLst/>
+          </a:prstGeom>
+          <a:noFill/>
+        </p:spPr>
+        <p:txBody>
+          <a:bodyPr wrap="square" rtlCol="0">
+            <a:spAutoFit/>
+          </a:bodyPr>
+          <a:lstStyle/>
+          <a:p>
+            <a:r>
+              <a:rPr lang="hu-HU" b="1" dirty="0"/>
+              <a:t>29 modul → 11 transzformáció</a:t>
+            </a:r>
+            <a:endParaRPr lang="hu-HU" dirty="0"/>
+          </a:p>
+          <a:p>
+            <a:r>
+              <a:rPr lang="hu-HU" dirty="0"/>
+              <a:t>13 modul</a:t>
+            </a:r>
+          </a:p>
+          <a:p>
+            <a:r>
+              <a:rPr lang="hu-HU" dirty="0"/>
+              <a:t>13 modul</a:t>
+            </a:r>
+          </a:p>
+          <a:p>
+            <a:r>
+              <a:rPr lang="hu-HU" dirty="0"/>
+              <a:t>12 modul</a:t>
+            </a:r>
+          </a:p>
+          <a:p>
+            <a:r>
+              <a:rPr lang="hu-HU" dirty="0"/>
+              <a:t>8 modul</a:t>
+            </a:r>
+          </a:p>
+          <a:p>
+            <a:r>
+              <a:rPr lang="hu-HU" dirty="0"/>
+              <a:t>4 modul</a:t>
+            </a:r>
+          </a:p>
+          <a:p>
+            <a:r>
+              <a:rPr lang="hu-HU" dirty="0"/>
+              <a:t>2 modul</a:t>
+            </a:r>
+          </a:p>
+          <a:p>
+            <a:r>
+              <a:rPr lang="hu-HU" dirty="0"/>
+              <a:t>3 modul</a:t>
+            </a:r>
+          </a:p>
+          <a:p>
+            <a:r>
+              <a:rPr lang="hu-HU" dirty="0"/>
+              <a:t>3 modul</a:t>
+            </a:r>
+          </a:p>
+          <a:p>
+            <a:r>
+              <a:rPr lang="hu-HU" dirty="0"/>
+              <a:t>5 modul</a:t>
+            </a:r>
+          </a:p>
+          <a:p>
+            <a:r>
+              <a:rPr lang="hu-HU" dirty="0"/>
+              <a:t>3 modul</a:t>
+            </a:r>
+          </a:p>
+          <a:p>
+            <a:r>
+              <a:rPr lang="hu-HU" dirty="0"/>
+              <a:t>1 modul</a:t>
+            </a:r>
+          </a:p>
+        </p:txBody>
+      </p:sp>
+      <p:sp>
+        <p:nvSpPr>
+          <p:cNvPr id="6" name="Szövegdoboz 5">
+            <a:extLst>
+              <a:ext uri="{FF2B5EF4-FFF2-40B4-BE49-F238E27FC236}">
+                <a16:creationId xmlns:a16="http://schemas.microsoft.com/office/drawing/2014/main" id="{8587120C-ACA3-F2C2-4294-49929F855774}"/>
+              </a:ext>
+            </a:extLst>
+          </p:cNvPr>
+          <p:cNvSpPr txBox="1"/>
+          <p:nvPr/>
+        </p:nvSpPr>
+        <p:spPr>
+          <a:xfrm>
+            <a:off x="229675" y="4873752"/>
+            <a:ext cx="11611805" cy="738664"/>
+          </a:xfrm>
+          <a:prstGeom prst="rect">
+            <a:avLst/>
+          </a:prstGeom>
+          <a:noFill/>
+        </p:spPr>
+        <p:txBody>
+          <a:bodyPr wrap="square" rtlCol="0">
+            <a:spAutoFit/>
+          </a:bodyPr>
+          <a:lstStyle/>
+          <a:p>
+            <a:r>
+              <a:rPr lang="hu-HU" b="1" dirty="0"/>
+              <a:t>Megfigyelés</a:t>
+            </a:r>
+            <a:br>
+              <a:rPr lang="hu-HU" dirty="0"/>
+            </a:br>
+            <a:r>
+              <a:rPr lang="hu-HU" dirty="0"/>
+              <a:t>→ A transzformációk első 1–2 lépésében mindig </a:t>
+            </a:r>
+            <a:r>
+              <a:rPr lang="hu-HU" b="1" dirty="0"/>
+              <a:t>nagyon sok modul mozog</a:t>
+            </a:r>
+            <a:r>
+              <a:rPr lang="hu-HU" dirty="0"/>
+              <a:t>, majd az utolsó lépésekben már csak finom igazítás történik.</a:t>
+            </a:r>
+            <a:br>
+              <a:rPr lang="hu-HU" dirty="0"/>
+            </a:br>
+            <a:r>
+              <a:rPr lang="hu-HU" dirty="0"/>
+              <a:t>Ez jelzi, hogy a rendszer </a:t>
+            </a:r>
+            <a:r>
+              <a:rPr lang="hu-HU" b="1" dirty="0"/>
+              <a:t>hatékonyan dolgozik párhuzamos mozgással</a:t>
+            </a:r>
+            <a:r>
+              <a:rPr lang="hu-HU" dirty="0"/>
+              <a:t>.</a:t>
+            </a:r>
+          </a:p>
+        </p:txBody>
+      </p:sp>
+    </p:spTree>
+    <p:extLst>
+      <p:ext uri="{BB962C8B-B14F-4D97-AF65-F5344CB8AC3E}">
+        <p14:creationId xmlns:p14="http://schemas.microsoft.com/office/powerpoint/2010/main" val="593209922"/>
+      </p:ext>
+    </p:extLst>
+  </p:cSld>
+  <p:clrMapOvr>
+    <a:masterClrMapping/>
+  </p:clrMapOvr>
+</p:sld>
+</file>
+
+<file path=ppt/slides/slide13.xml><?xml version="1.0" encoding="utf-8"?>
+<p:sld xmlns:a="http://schemas.openxmlformats.org/drawingml/2006/main" xmlns:r="http://schemas.openxmlformats.org/officeDocument/2006/relationships" xmlns:p="http://schemas.openxmlformats.org/presentationml/2006/main">
+  <p:cSld>
+    <p:spTree>
+      <p:nvGrpSpPr>
+        <p:cNvPr id="1" name="Shape 151">
+          <a:extLst>
+            <a:ext uri="{FF2B5EF4-FFF2-40B4-BE49-F238E27FC236}">
+              <a16:creationId xmlns:a16="http://schemas.microsoft.com/office/drawing/2014/main" id="{5FA837FA-F941-172C-6EF0-8A56ED5D06F1}"/>
+            </a:ext>
+          </a:extLst>
+        </p:cNvPr>
+        <p:cNvGrpSpPr/>
+        <p:nvPr/>
+      </p:nvGrpSpPr>
+      <p:grpSpPr>
+        <a:xfrm>
+          <a:off x="0" y="0"/>
+          <a:ext cx="0" cy="0"/>
+          <a:chOff x="0" y="0"/>
+          <a:chExt cx="0" cy="0"/>
+        </a:xfrm>
+      </p:grpSpPr>
+      <p:sp>
+        <p:nvSpPr>
+          <p:cNvPr id="152" name="Google Shape;152;p19">
+            <a:extLst>
+              <a:ext uri="{FF2B5EF4-FFF2-40B4-BE49-F238E27FC236}">
+                <a16:creationId xmlns:a16="http://schemas.microsoft.com/office/drawing/2014/main" id="{DB7EAB2D-5DED-F7D5-564B-C5A319C1409D}"/>
+              </a:ext>
+            </a:extLst>
+          </p:cNvPr>
+          <p:cNvSpPr/>
+          <p:nvPr/>
+        </p:nvSpPr>
+        <p:spPr>
+          <a:xfrm>
+            <a:off x="0" y="0"/>
+            <a:ext cx="12192000" cy="6858000"/>
+          </a:xfrm>
+          <a:prstGeom prst="rect">
+            <a:avLst/>
+          </a:prstGeom>
+          <a:solidFill>
+            <a:schemeClr val="lt1"/>
+          </a:solidFill>
+          <a:ln>
+            <a:noFill/>
+          </a:ln>
+        </p:spPr>
+        <p:txBody>
+          <a:bodyPr spcFirstLastPara="1" wrap="square" lIns="91425" tIns="45700" rIns="91425" bIns="45700" anchor="ctr" anchorCtr="0">
+            <a:noAutofit/>
+          </a:bodyPr>
+          <a:lstStyle/>
+          <a:p>
+            <a:pPr marL="0" marR="0" lvl="0" indent="0" algn="ctr" rtl="0">
+              <a:spcBef>
+                <a:spcPts val="0"/>
+              </a:spcBef>
+              <a:spcAft>
+                <a:spcPts val="0"/>
+              </a:spcAft>
+              <a:buNone/>
+            </a:pPr>
+            <a:endParaRPr sz="1800" b="0" i="0" u="none" strike="noStrike" cap="none" dirty="0">
+              <a:solidFill>
+                <a:schemeClr val="lt1"/>
+              </a:solidFill>
+              <a:latin typeface="Arial"/>
+              <a:ea typeface="Arial"/>
+              <a:cs typeface="Arial"/>
+              <a:sym typeface="Arial"/>
+            </a:endParaRPr>
+          </a:p>
+        </p:txBody>
+      </p:sp>
+      <p:sp>
+        <p:nvSpPr>
+          <p:cNvPr id="153" name="Google Shape;153;p19">
+            <a:extLst>
+              <a:ext uri="{FF2B5EF4-FFF2-40B4-BE49-F238E27FC236}">
+                <a16:creationId xmlns:a16="http://schemas.microsoft.com/office/drawing/2014/main" id="{6D410386-F3C9-A5AD-48BE-F3FFFC9ADF8C}"/>
+              </a:ext>
+            </a:extLst>
+          </p:cNvPr>
+          <p:cNvSpPr/>
+          <p:nvPr/>
+        </p:nvSpPr>
+        <p:spPr>
+          <a:xfrm flipH="1">
+            <a:off x="-1" y="-1"/>
+            <a:ext cx="12191998" cy="1590742"/>
+          </a:xfrm>
+          <a:prstGeom prst="rect">
+            <a:avLst/>
+          </a:prstGeom>
+          <a:gradFill>
+            <a:gsLst>
+              <a:gs pos="0">
+                <a:srgbClr val="000000"/>
+              </a:gs>
+              <a:gs pos="100000">
+                <a:srgbClr val="0F4861"/>
+              </a:gs>
+            </a:gsLst>
+            <a:lin ang="8400000" scaled="0"/>
+          </a:gradFill>
+          <a:ln>
+            <a:noFill/>
+          </a:ln>
+        </p:spPr>
+        <p:txBody>
+          <a:bodyPr spcFirstLastPara="1" wrap="square" lIns="91425" tIns="45700" rIns="91425" bIns="45700" anchor="ctr" anchorCtr="0">
+            <a:noAutofit/>
+          </a:bodyPr>
+          <a:lstStyle/>
+          <a:p>
+            <a:pPr marL="0" marR="0" lvl="0" indent="0" algn="ctr" rtl="0">
+              <a:spcBef>
+                <a:spcPts val="0"/>
+              </a:spcBef>
+              <a:spcAft>
+                <a:spcPts val="0"/>
+              </a:spcAft>
+              <a:buNone/>
+            </a:pPr>
+            <a:endParaRPr sz="1800" b="0" i="0" u="none" strike="noStrike" cap="none">
+              <a:solidFill>
+                <a:schemeClr val="lt1"/>
+              </a:solidFill>
+              <a:latin typeface="Arial"/>
+              <a:ea typeface="Arial"/>
+              <a:cs typeface="Arial"/>
+              <a:sym typeface="Arial"/>
+            </a:endParaRPr>
+          </a:p>
+        </p:txBody>
+      </p:sp>
+      <p:sp>
+        <p:nvSpPr>
+          <p:cNvPr id="154" name="Google Shape;154;p19">
+            <a:extLst>
+              <a:ext uri="{FF2B5EF4-FFF2-40B4-BE49-F238E27FC236}">
+                <a16:creationId xmlns:a16="http://schemas.microsoft.com/office/drawing/2014/main" id="{D0A8AB43-B6F0-74AC-1ED3-CE126EE337E1}"/>
+              </a:ext>
+            </a:extLst>
+          </p:cNvPr>
+          <p:cNvSpPr/>
+          <p:nvPr/>
+        </p:nvSpPr>
+        <p:spPr>
+          <a:xfrm rot="10800000" flipH="1">
+            <a:off x="-3" y="0"/>
+            <a:ext cx="8115306" cy="1590742"/>
+          </a:xfrm>
+          <a:prstGeom prst="rect">
+            <a:avLst/>
+          </a:prstGeom>
+          <a:gradFill>
+            <a:gsLst>
+              <a:gs pos="0">
+                <a:srgbClr val="156082">
+                  <a:alpha val="0"/>
+                </a:srgbClr>
+              </a:gs>
+              <a:gs pos="20000">
+                <a:srgbClr val="156082">
+                  <a:alpha val="0"/>
+                </a:srgbClr>
+              </a:gs>
+              <a:gs pos="100000">
+                <a:srgbClr val="0A3041">
+                  <a:alpha val="54901"/>
+                </a:srgbClr>
+              </a:gs>
+            </a:gsLst>
+            <a:lin ang="13800001" scaled="0"/>
+          </a:gradFill>
+          <a:ln>
+            <a:noFill/>
+          </a:ln>
+        </p:spPr>
+        <p:txBody>
+          <a:bodyPr spcFirstLastPara="1" wrap="square" lIns="91425" tIns="45700" rIns="91425" bIns="45700" anchor="ctr" anchorCtr="0">
+            <a:noAutofit/>
+          </a:bodyPr>
+          <a:lstStyle/>
+          <a:p>
+            <a:pPr marL="0" marR="0" lvl="0" indent="0" algn="ctr" rtl="0">
+              <a:spcBef>
+                <a:spcPts val="0"/>
+              </a:spcBef>
+              <a:spcAft>
+                <a:spcPts val="0"/>
+              </a:spcAft>
+              <a:buNone/>
+            </a:pPr>
+            <a:endParaRPr sz="1800" b="0" i="0" u="none" strike="noStrike" cap="none">
+              <a:solidFill>
+                <a:schemeClr val="lt1"/>
+              </a:solidFill>
+              <a:latin typeface="Arial"/>
+              <a:ea typeface="Arial"/>
+              <a:cs typeface="Arial"/>
+              <a:sym typeface="Arial"/>
+            </a:endParaRPr>
+          </a:p>
+        </p:txBody>
+      </p:sp>
+      <p:sp>
+        <p:nvSpPr>
+          <p:cNvPr id="155" name="Google Shape;155;p19">
+            <a:extLst>
+              <a:ext uri="{FF2B5EF4-FFF2-40B4-BE49-F238E27FC236}">
+                <a16:creationId xmlns:a16="http://schemas.microsoft.com/office/drawing/2014/main" id="{0C499964-CCAB-66B7-05F2-53E64E446260}"/>
+              </a:ext>
+            </a:extLst>
+          </p:cNvPr>
+          <p:cNvSpPr/>
+          <p:nvPr/>
+        </p:nvSpPr>
+        <p:spPr>
+          <a:xfrm flipH="1">
+            <a:off x="8115299" y="-1"/>
+            <a:ext cx="4076698" cy="1590742"/>
+          </a:xfrm>
+          <a:prstGeom prst="rect">
+            <a:avLst/>
+          </a:prstGeom>
+          <a:gradFill>
+            <a:gsLst>
+              <a:gs pos="0">
+                <a:srgbClr val="156082">
+                  <a:alpha val="65882"/>
+                </a:srgbClr>
+              </a:gs>
+              <a:gs pos="100000">
+                <a:srgbClr val="000000">
+                  <a:alpha val="29803"/>
+                </a:srgbClr>
+              </a:gs>
+            </a:gsLst>
+            <a:lin ang="13200000" scaled="0"/>
+          </a:gradFill>
+          <a:ln>
+            <a:noFill/>
+          </a:ln>
+        </p:spPr>
+        <p:txBody>
+          <a:bodyPr spcFirstLastPara="1" wrap="square" lIns="91425" tIns="45700" rIns="91425" bIns="45700" anchor="ctr" anchorCtr="0">
+            <a:noAutofit/>
+          </a:bodyPr>
+          <a:lstStyle/>
+          <a:p>
+            <a:pPr marL="0" marR="0" lvl="0" indent="0" algn="ctr" rtl="0">
+              <a:spcBef>
+                <a:spcPts val="0"/>
+              </a:spcBef>
+              <a:spcAft>
+                <a:spcPts val="0"/>
+              </a:spcAft>
+              <a:buNone/>
+            </a:pPr>
+            <a:endParaRPr sz="1800" b="0" i="0" u="none" strike="noStrike" cap="none">
+              <a:solidFill>
+                <a:schemeClr val="lt1"/>
+              </a:solidFill>
+              <a:latin typeface="Arial"/>
+              <a:ea typeface="Arial"/>
+              <a:cs typeface="Arial"/>
+              <a:sym typeface="Arial"/>
+            </a:endParaRPr>
+          </a:p>
+        </p:txBody>
+      </p:sp>
+      <p:sp>
+        <p:nvSpPr>
+          <p:cNvPr id="156" name="Google Shape;156;p19">
+            <a:extLst>
+              <a:ext uri="{FF2B5EF4-FFF2-40B4-BE49-F238E27FC236}">
+                <a16:creationId xmlns:a16="http://schemas.microsoft.com/office/drawing/2014/main" id="{2B0A0C4D-3C14-9C9E-9834-BA9F3D1EB62B}"/>
+              </a:ext>
+            </a:extLst>
+          </p:cNvPr>
+          <p:cNvSpPr/>
+          <p:nvPr/>
+        </p:nvSpPr>
+        <p:spPr>
+          <a:xfrm>
+            <a:off x="229675" y="36884"/>
+            <a:ext cx="11732646" cy="1597433"/>
+          </a:xfrm>
+          <a:prstGeom prst="rect">
+            <a:avLst/>
+          </a:prstGeom>
+          <a:gradFill>
+            <a:gsLst>
+              <a:gs pos="0">
+                <a:srgbClr val="000000">
+                  <a:alpha val="0"/>
+                </a:srgbClr>
+              </a:gs>
+              <a:gs pos="50000">
+                <a:srgbClr val="000000">
+                  <a:alpha val="0"/>
+                </a:srgbClr>
+              </a:gs>
+              <a:gs pos="99000">
+                <a:srgbClr val="0A3041">
+                  <a:alpha val="51764"/>
+                </a:srgbClr>
+              </a:gs>
+              <a:gs pos="100000">
+                <a:srgbClr val="0A3041">
+                  <a:alpha val="51764"/>
+                </a:srgbClr>
+              </a:gs>
+            </a:gsLst>
+            <a:lin ang="16800000" scaled="0"/>
+          </a:gradFill>
+          <a:ln>
+            <a:noFill/>
+          </a:ln>
+        </p:spPr>
+        <p:txBody>
+          <a:bodyPr spcFirstLastPara="1" wrap="square" lIns="91425" tIns="45700" rIns="91425" bIns="45700" anchor="ctr" anchorCtr="0">
+            <a:noAutofit/>
+          </a:bodyPr>
+          <a:lstStyle/>
+          <a:p>
+            <a:pPr marL="0" marR="0" lvl="0" indent="0" algn="ctr" rtl="0">
+              <a:spcBef>
+                <a:spcPts val="0"/>
+              </a:spcBef>
+              <a:spcAft>
+                <a:spcPts val="0"/>
+              </a:spcAft>
+              <a:buNone/>
+            </a:pPr>
+            <a:endParaRPr sz="1800" b="0" i="0" u="none" strike="noStrike" cap="none">
+              <a:solidFill>
+                <a:schemeClr val="lt1"/>
+              </a:solidFill>
+              <a:latin typeface="Arial"/>
+              <a:ea typeface="Arial"/>
+              <a:cs typeface="Arial"/>
+              <a:sym typeface="Arial"/>
+            </a:endParaRPr>
+          </a:p>
+        </p:txBody>
+      </p:sp>
+      <p:sp>
+        <p:nvSpPr>
+          <p:cNvPr id="157" name="Google Shape;157;p19">
+            <a:extLst>
+              <a:ext uri="{FF2B5EF4-FFF2-40B4-BE49-F238E27FC236}">
+                <a16:creationId xmlns:a16="http://schemas.microsoft.com/office/drawing/2014/main" id="{EC6E5921-8C15-7790-F644-79B4D66F878F}"/>
+              </a:ext>
+            </a:extLst>
+          </p:cNvPr>
+          <p:cNvSpPr txBox="1">
+            <a:spLocks noGrp="1"/>
+          </p:cNvSpPr>
+          <p:nvPr>
+            <p:ph type="title"/>
+          </p:nvPr>
+        </p:nvSpPr>
+        <p:spPr>
+          <a:xfrm>
+            <a:off x="1371599" y="294538"/>
+            <a:ext cx="9895951" cy="1033669"/>
+          </a:xfrm>
+          <a:prstGeom prst="rect">
+            <a:avLst/>
+          </a:prstGeom>
+          <a:noFill/>
+          <a:ln>
+            <a:noFill/>
+          </a:ln>
+        </p:spPr>
+        <p:txBody>
+          <a:bodyPr spcFirstLastPara="1" wrap="square" lIns="91425" tIns="45700" rIns="91425" bIns="45700" anchor="ctr" anchorCtr="0">
+            <a:normAutofit/>
+          </a:bodyPr>
+          <a:lstStyle/>
+          <a:p>
+            <a:pPr lvl="0">
+              <a:buClr>
+                <a:srgbClr val="FFFFFF"/>
+              </a:buClr>
+              <a:buSzPts val="4000"/>
+            </a:pPr>
+            <a:r>
+              <a:rPr lang="hu-HU" sz="4000" dirty="0">
+                <a:solidFill>
+                  <a:schemeClr val="bg1"/>
+                </a:solidFill>
+              </a:rPr>
+              <a:t>Konkrét példák</a:t>
+            </a:r>
+            <a:endParaRPr dirty="0">
+              <a:solidFill>
+                <a:schemeClr val="bg1"/>
+              </a:solidFill>
+            </a:endParaRPr>
+          </a:p>
+        </p:txBody>
+      </p:sp>
+      <p:pic>
+        <p:nvPicPr>
+          <p:cNvPr id="10" name="Kép 9">
+            <a:extLst>
+              <a:ext uri="{FF2B5EF4-FFF2-40B4-BE49-F238E27FC236}">
+                <a16:creationId xmlns:a16="http://schemas.microsoft.com/office/drawing/2014/main" id="{BB52A4D5-9983-6A74-0FB4-6FC24D705932}"/>
+              </a:ext>
+            </a:extLst>
+          </p:cNvPr>
+          <p:cNvPicPr>
+            <a:picLocks noChangeAspect="1"/>
+          </p:cNvPicPr>
+          <p:nvPr/>
+        </p:nvPicPr>
+        <p:blipFill>
+          <a:blip r:embed="rId3"/>
+          <a:stretch>
+            <a:fillRect/>
+          </a:stretch>
+        </p:blipFill>
+        <p:spPr>
+          <a:xfrm>
+            <a:off x="438912" y="1891971"/>
+            <a:ext cx="4410285" cy="4169583"/>
+          </a:xfrm>
+          <a:prstGeom prst="rect">
+            <a:avLst/>
+          </a:prstGeom>
+        </p:spPr>
+      </p:pic>
+      <p:sp>
+        <p:nvSpPr>
+          <p:cNvPr id="11" name="Szövegdoboz 10">
+            <a:extLst>
+              <a:ext uri="{FF2B5EF4-FFF2-40B4-BE49-F238E27FC236}">
+                <a16:creationId xmlns:a16="http://schemas.microsoft.com/office/drawing/2014/main" id="{9D05E52D-14E3-32A5-A3D7-D1C7CC6A66ED}"/>
+              </a:ext>
+            </a:extLst>
+          </p:cNvPr>
+          <p:cNvSpPr txBox="1"/>
+          <p:nvPr/>
+        </p:nvSpPr>
+        <p:spPr>
+          <a:xfrm>
+            <a:off x="530352" y="6319208"/>
+            <a:ext cx="3968496" cy="307777"/>
+          </a:xfrm>
+          <a:prstGeom prst="rect">
+            <a:avLst/>
+          </a:prstGeom>
+          <a:noFill/>
+        </p:spPr>
+        <p:txBody>
+          <a:bodyPr wrap="square" rtlCol="0">
+            <a:spAutoFit/>
+          </a:bodyPr>
+          <a:lstStyle/>
+          <a:p>
+            <a:pPr algn="ctr"/>
+            <a:r>
+              <a:rPr lang="hu-HU" dirty="0"/>
+              <a:t>Kezdőkonfiguráció</a:t>
+            </a:r>
+          </a:p>
+        </p:txBody>
+      </p:sp>
+      <p:pic>
+        <p:nvPicPr>
+          <p:cNvPr id="13" name="Kép 12">
+            <a:extLst>
+              <a:ext uri="{FF2B5EF4-FFF2-40B4-BE49-F238E27FC236}">
+                <a16:creationId xmlns:a16="http://schemas.microsoft.com/office/drawing/2014/main" id="{BEEC7E22-F28B-7D70-027E-54E68496FA80}"/>
+              </a:ext>
+            </a:extLst>
+          </p:cNvPr>
+          <p:cNvPicPr>
+            <a:picLocks noChangeAspect="1"/>
+          </p:cNvPicPr>
+          <p:nvPr/>
+        </p:nvPicPr>
+        <p:blipFill>
+          <a:blip r:embed="rId4"/>
+          <a:stretch>
+            <a:fillRect/>
+          </a:stretch>
+        </p:blipFill>
+        <p:spPr>
+          <a:xfrm>
+            <a:off x="6096000" y="1848395"/>
+            <a:ext cx="5548585" cy="4254745"/>
+          </a:xfrm>
+          <a:prstGeom prst="rect">
+            <a:avLst/>
+          </a:prstGeom>
+        </p:spPr>
+      </p:pic>
+      <p:sp>
+        <p:nvSpPr>
+          <p:cNvPr id="14" name="Szövegdoboz 13">
+            <a:extLst>
+              <a:ext uri="{FF2B5EF4-FFF2-40B4-BE49-F238E27FC236}">
+                <a16:creationId xmlns:a16="http://schemas.microsoft.com/office/drawing/2014/main" id="{C2A6F275-0726-5CE3-9756-87CF43C6C28D}"/>
+              </a:ext>
+            </a:extLst>
+          </p:cNvPr>
+          <p:cNvSpPr txBox="1"/>
+          <p:nvPr/>
+        </p:nvSpPr>
+        <p:spPr>
+          <a:xfrm>
+            <a:off x="7031736" y="6319208"/>
+            <a:ext cx="3639312" cy="307777"/>
+          </a:xfrm>
+          <a:prstGeom prst="rect">
+            <a:avLst/>
+          </a:prstGeom>
+          <a:noFill/>
+        </p:spPr>
+        <p:txBody>
+          <a:bodyPr wrap="square" rtlCol="0">
+            <a:spAutoFit/>
+          </a:bodyPr>
+          <a:lstStyle/>
+          <a:p>
+            <a:pPr algn="ctr"/>
+            <a:r>
+              <a:rPr lang="hu-HU" dirty="0" err="1"/>
+              <a:t>Exoskeleton</a:t>
+            </a:r>
+            <a:endParaRPr lang="hu-HU" dirty="0"/>
+          </a:p>
+        </p:txBody>
+      </p:sp>
+      <p:sp>
+        <p:nvSpPr>
+          <p:cNvPr id="16" name="Szövegdoboz 15">
+            <a:extLst>
+              <a:ext uri="{FF2B5EF4-FFF2-40B4-BE49-F238E27FC236}">
+                <a16:creationId xmlns:a16="http://schemas.microsoft.com/office/drawing/2014/main" id="{15085EC8-422C-AFDA-9059-AF27F783400A}"/>
+              </a:ext>
+            </a:extLst>
+          </p:cNvPr>
+          <p:cNvSpPr txBox="1"/>
+          <p:nvPr/>
+        </p:nvSpPr>
+        <p:spPr>
+          <a:xfrm>
+            <a:off x="5020056" y="3282696"/>
+            <a:ext cx="932688" cy="477054"/>
+          </a:xfrm>
+          <a:prstGeom prst="rect">
+            <a:avLst/>
+          </a:prstGeom>
+          <a:noFill/>
+        </p:spPr>
+        <p:txBody>
+          <a:bodyPr wrap="square" rtlCol="0">
+            <a:spAutoFit/>
+          </a:bodyPr>
+          <a:lstStyle/>
+          <a:p>
+            <a:pPr algn="ctr"/>
+            <a:r>
+              <a:rPr lang="hu-HU" sz="2500" b="1" dirty="0"/>
+              <a:t>→</a:t>
+            </a:r>
+          </a:p>
+        </p:txBody>
+      </p:sp>
+    </p:spTree>
+    <p:extLst>
+      <p:ext uri="{BB962C8B-B14F-4D97-AF65-F5344CB8AC3E}">
+        <p14:creationId xmlns:p14="http://schemas.microsoft.com/office/powerpoint/2010/main" val="3641652658"/>
+      </p:ext>
+    </p:extLst>
+  </p:cSld>
+  <p:clrMapOvr>
+    <a:masterClrMapping/>
+  </p:clrMapOvr>
+</p:sld>
+</file>
+
+<file path=ppt/slides/slide14.xml><?xml version="1.0" encoding="utf-8"?>
+<p:sld xmlns:a="http://schemas.openxmlformats.org/drawingml/2006/main" xmlns:r="http://schemas.openxmlformats.org/officeDocument/2006/relationships" xmlns:p="http://schemas.openxmlformats.org/presentationml/2006/main">
+  <p:cSld>
+    <p:spTree>
+      <p:nvGrpSpPr>
+        <p:cNvPr id="1" name="Shape 151">
+          <a:extLst>
+            <a:ext uri="{FF2B5EF4-FFF2-40B4-BE49-F238E27FC236}">
+              <a16:creationId xmlns:a16="http://schemas.microsoft.com/office/drawing/2014/main" id="{7B7C587A-B25C-B6F5-00E8-A3B456B23127}"/>
+            </a:ext>
+          </a:extLst>
+        </p:cNvPr>
+        <p:cNvGrpSpPr/>
+        <p:nvPr/>
+      </p:nvGrpSpPr>
+      <p:grpSpPr>
+        <a:xfrm>
+          <a:off x="0" y="0"/>
+          <a:ext cx="0" cy="0"/>
+          <a:chOff x="0" y="0"/>
+          <a:chExt cx="0" cy="0"/>
+        </a:xfrm>
+      </p:grpSpPr>
+      <p:sp>
+        <p:nvSpPr>
+          <p:cNvPr id="152" name="Google Shape;152;p19">
+            <a:extLst>
+              <a:ext uri="{FF2B5EF4-FFF2-40B4-BE49-F238E27FC236}">
+                <a16:creationId xmlns:a16="http://schemas.microsoft.com/office/drawing/2014/main" id="{84138E48-2438-F8E4-C443-9100218D78F8}"/>
+              </a:ext>
+            </a:extLst>
+          </p:cNvPr>
+          <p:cNvSpPr/>
+          <p:nvPr/>
+        </p:nvSpPr>
+        <p:spPr>
+          <a:xfrm>
+            <a:off x="0" y="0"/>
+            <a:ext cx="12192000" cy="6858000"/>
+          </a:xfrm>
+          <a:prstGeom prst="rect">
+            <a:avLst/>
+          </a:prstGeom>
+          <a:solidFill>
+            <a:schemeClr val="lt1"/>
+          </a:solidFill>
+          <a:ln>
+            <a:noFill/>
+          </a:ln>
+        </p:spPr>
+        <p:txBody>
+          <a:bodyPr spcFirstLastPara="1" wrap="square" lIns="91425" tIns="45700" rIns="91425" bIns="45700" anchor="ctr" anchorCtr="0">
+            <a:noAutofit/>
+          </a:bodyPr>
+          <a:lstStyle/>
+          <a:p>
+            <a:pPr marL="0" marR="0" lvl="0" indent="0" algn="ctr" rtl="0">
+              <a:spcBef>
+                <a:spcPts val="0"/>
+              </a:spcBef>
+              <a:spcAft>
+                <a:spcPts val="0"/>
+              </a:spcAft>
+              <a:buNone/>
+            </a:pPr>
+            <a:endParaRPr sz="1800" b="0" i="0" u="none" strike="noStrike" cap="none" dirty="0">
+              <a:solidFill>
+                <a:schemeClr val="lt1"/>
+              </a:solidFill>
+              <a:latin typeface="Arial"/>
+              <a:ea typeface="Arial"/>
+              <a:cs typeface="Arial"/>
+              <a:sym typeface="Arial"/>
+            </a:endParaRPr>
+          </a:p>
+        </p:txBody>
+      </p:sp>
+      <p:sp>
+        <p:nvSpPr>
+          <p:cNvPr id="153" name="Google Shape;153;p19">
+            <a:extLst>
+              <a:ext uri="{FF2B5EF4-FFF2-40B4-BE49-F238E27FC236}">
+                <a16:creationId xmlns:a16="http://schemas.microsoft.com/office/drawing/2014/main" id="{E6B258EA-683B-2D7B-773F-115EDBB6A1AC}"/>
+              </a:ext>
+            </a:extLst>
+          </p:cNvPr>
+          <p:cNvSpPr/>
+          <p:nvPr/>
+        </p:nvSpPr>
+        <p:spPr>
+          <a:xfrm flipH="1">
+            <a:off x="-1" y="-1"/>
+            <a:ext cx="12191998" cy="1590742"/>
+          </a:xfrm>
+          <a:prstGeom prst="rect">
+            <a:avLst/>
+          </a:prstGeom>
+          <a:gradFill>
+            <a:gsLst>
+              <a:gs pos="0">
+                <a:srgbClr val="000000"/>
+              </a:gs>
+              <a:gs pos="100000">
+                <a:srgbClr val="0F4861"/>
+              </a:gs>
+            </a:gsLst>
+            <a:lin ang="8400000" scaled="0"/>
+          </a:gradFill>
+          <a:ln>
+            <a:noFill/>
+          </a:ln>
+        </p:spPr>
+        <p:txBody>
+          <a:bodyPr spcFirstLastPara="1" wrap="square" lIns="91425" tIns="45700" rIns="91425" bIns="45700" anchor="ctr" anchorCtr="0">
+            <a:noAutofit/>
+          </a:bodyPr>
+          <a:lstStyle/>
+          <a:p>
+            <a:pPr marL="0" marR="0" lvl="0" indent="0" algn="ctr" rtl="0">
+              <a:spcBef>
+                <a:spcPts val="0"/>
+              </a:spcBef>
+              <a:spcAft>
+                <a:spcPts val="0"/>
+              </a:spcAft>
+              <a:buNone/>
+            </a:pPr>
+            <a:endParaRPr sz="1800" b="0" i="0" u="none" strike="noStrike" cap="none">
+              <a:solidFill>
+                <a:schemeClr val="lt1"/>
+              </a:solidFill>
+              <a:latin typeface="Arial"/>
+              <a:ea typeface="Arial"/>
+              <a:cs typeface="Arial"/>
+              <a:sym typeface="Arial"/>
+            </a:endParaRPr>
+          </a:p>
+        </p:txBody>
+      </p:sp>
+      <p:sp>
+        <p:nvSpPr>
+          <p:cNvPr id="154" name="Google Shape;154;p19">
+            <a:extLst>
+              <a:ext uri="{FF2B5EF4-FFF2-40B4-BE49-F238E27FC236}">
+                <a16:creationId xmlns:a16="http://schemas.microsoft.com/office/drawing/2014/main" id="{1BE72AD1-27DA-0C82-4250-28EB4FD709AB}"/>
+              </a:ext>
+            </a:extLst>
+          </p:cNvPr>
+          <p:cNvSpPr/>
+          <p:nvPr/>
+        </p:nvSpPr>
+        <p:spPr>
+          <a:xfrm rot="10800000" flipH="1">
+            <a:off x="-3" y="0"/>
+            <a:ext cx="8115306" cy="1590742"/>
+          </a:xfrm>
+          <a:prstGeom prst="rect">
+            <a:avLst/>
+          </a:prstGeom>
+          <a:gradFill>
+            <a:gsLst>
+              <a:gs pos="0">
+                <a:srgbClr val="156082">
+                  <a:alpha val="0"/>
+                </a:srgbClr>
+              </a:gs>
+              <a:gs pos="20000">
+                <a:srgbClr val="156082">
+                  <a:alpha val="0"/>
+                </a:srgbClr>
+              </a:gs>
+              <a:gs pos="100000">
+                <a:srgbClr val="0A3041">
+                  <a:alpha val="54901"/>
+                </a:srgbClr>
+              </a:gs>
+            </a:gsLst>
+            <a:lin ang="13800001" scaled="0"/>
+          </a:gradFill>
+          <a:ln>
+            <a:noFill/>
+          </a:ln>
+        </p:spPr>
+        <p:txBody>
+          <a:bodyPr spcFirstLastPara="1" wrap="square" lIns="91425" tIns="45700" rIns="91425" bIns="45700" anchor="ctr" anchorCtr="0">
+            <a:noAutofit/>
+          </a:bodyPr>
+          <a:lstStyle/>
+          <a:p>
+            <a:pPr marL="0" marR="0" lvl="0" indent="0" algn="ctr" rtl="0">
+              <a:spcBef>
+                <a:spcPts val="0"/>
+              </a:spcBef>
+              <a:spcAft>
+                <a:spcPts val="0"/>
+              </a:spcAft>
+              <a:buNone/>
+            </a:pPr>
+            <a:endParaRPr sz="1800" b="0" i="0" u="none" strike="noStrike" cap="none">
+              <a:solidFill>
+                <a:schemeClr val="lt1"/>
+              </a:solidFill>
+              <a:latin typeface="Arial"/>
+              <a:ea typeface="Arial"/>
+              <a:cs typeface="Arial"/>
+              <a:sym typeface="Arial"/>
+            </a:endParaRPr>
+          </a:p>
+        </p:txBody>
+      </p:sp>
+      <p:sp>
+        <p:nvSpPr>
+          <p:cNvPr id="155" name="Google Shape;155;p19">
+            <a:extLst>
+              <a:ext uri="{FF2B5EF4-FFF2-40B4-BE49-F238E27FC236}">
+                <a16:creationId xmlns:a16="http://schemas.microsoft.com/office/drawing/2014/main" id="{CD56D780-329E-F71C-EB19-3FD38020E423}"/>
+              </a:ext>
+            </a:extLst>
+          </p:cNvPr>
+          <p:cNvSpPr/>
+          <p:nvPr/>
+        </p:nvSpPr>
+        <p:spPr>
+          <a:xfrm flipH="1">
+            <a:off x="8115299" y="-1"/>
+            <a:ext cx="4076698" cy="1590742"/>
+          </a:xfrm>
+          <a:prstGeom prst="rect">
+            <a:avLst/>
+          </a:prstGeom>
+          <a:gradFill>
+            <a:gsLst>
+              <a:gs pos="0">
+                <a:srgbClr val="156082">
+                  <a:alpha val="65882"/>
+                </a:srgbClr>
+              </a:gs>
+              <a:gs pos="100000">
+                <a:srgbClr val="000000">
+                  <a:alpha val="29803"/>
+                </a:srgbClr>
+              </a:gs>
+            </a:gsLst>
+            <a:lin ang="13200000" scaled="0"/>
+          </a:gradFill>
+          <a:ln>
+            <a:noFill/>
+          </a:ln>
+        </p:spPr>
+        <p:txBody>
+          <a:bodyPr spcFirstLastPara="1" wrap="square" lIns="91425" tIns="45700" rIns="91425" bIns="45700" anchor="ctr" anchorCtr="0">
+            <a:noAutofit/>
+          </a:bodyPr>
+          <a:lstStyle/>
+          <a:p>
+            <a:pPr marL="0" marR="0" lvl="0" indent="0" algn="ctr" rtl="0">
+              <a:spcBef>
+                <a:spcPts val="0"/>
+              </a:spcBef>
+              <a:spcAft>
+                <a:spcPts val="0"/>
+              </a:spcAft>
+              <a:buNone/>
+            </a:pPr>
+            <a:endParaRPr sz="1800" b="0" i="0" u="none" strike="noStrike" cap="none">
+              <a:solidFill>
+                <a:schemeClr val="lt1"/>
+              </a:solidFill>
+              <a:latin typeface="Arial"/>
+              <a:ea typeface="Arial"/>
+              <a:cs typeface="Arial"/>
+              <a:sym typeface="Arial"/>
+            </a:endParaRPr>
+          </a:p>
+        </p:txBody>
+      </p:sp>
+      <p:sp>
+        <p:nvSpPr>
+          <p:cNvPr id="156" name="Google Shape;156;p19">
+            <a:extLst>
+              <a:ext uri="{FF2B5EF4-FFF2-40B4-BE49-F238E27FC236}">
+                <a16:creationId xmlns:a16="http://schemas.microsoft.com/office/drawing/2014/main" id="{FBB290D9-9EAC-F368-4B07-EC7109AFE6B0}"/>
+              </a:ext>
+            </a:extLst>
+          </p:cNvPr>
+          <p:cNvSpPr/>
+          <p:nvPr/>
+        </p:nvSpPr>
+        <p:spPr>
+          <a:xfrm>
+            <a:off x="229675" y="36884"/>
+            <a:ext cx="11732646" cy="1597433"/>
+          </a:xfrm>
+          <a:prstGeom prst="rect">
+            <a:avLst/>
+          </a:prstGeom>
+          <a:gradFill>
+            <a:gsLst>
+              <a:gs pos="0">
+                <a:srgbClr val="000000">
+                  <a:alpha val="0"/>
+                </a:srgbClr>
+              </a:gs>
+              <a:gs pos="50000">
+                <a:srgbClr val="000000">
+                  <a:alpha val="0"/>
+                </a:srgbClr>
+              </a:gs>
+              <a:gs pos="99000">
+                <a:srgbClr val="0A3041">
+                  <a:alpha val="51764"/>
+                </a:srgbClr>
+              </a:gs>
+              <a:gs pos="100000">
+                <a:srgbClr val="0A3041">
+                  <a:alpha val="51764"/>
+                </a:srgbClr>
+              </a:gs>
+            </a:gsLst>
+            <a:lin ang="16800000" scaled="0"/>
+          </a:gradFill>
+          <a:ln>
+            <a:noFill/>
+          </a:ln>
+        </p:spPr>
+        <p:txBody>
+          <a:bodyPr spcFirstLastPara="1" wrap="square" lIns="91425" tIns="45700" rIns="91425" bIns="45700" anchor="ctr" anchorCtr="0">
+            <a:noAutofit/>
+          </a:bodyPr>
+          <a:lstStyle/>
+          <a:p>
+            <a:pPr marL="0" marR="0" lvl="0" indent="0" algn="ctr" rtl="0">
+              <a:spcBef>
+                <a:spcPts val="0"/>
+              </a:spcBef>
+              <a:spcAft>
+                <a:spcPts val="0"/>
+              </a:spcAft>
+              <a:buNone/>
+            </a:pPr>
+            <a:endParaRPr sz="1800" b="0" i="0" u="none" strike="noStrike" cap="none">
+              <a:solidFill>
+                <a:schemeClr val="lt1"/>
+              </a:solidFill>
+              <a:latin typeface="Arial"/>
+              <a:ea typeface="Arial"/>
+              <a:cs typeface="Arial"/>
+              <a:sym typeface="Arial"/>
+            </a:endParaRPr>
+          </a:p>
+        </p:txBody>
+      </p:sp>
+      <p:sp>
+        <p:nvSpPr>
+          <p:cNvPr id="157" name="Google Shape;157;p19">
+            <a:extLst>
+              <a:ext uri="{FF2B5EF4-FFF2-40B4-BE49-F238E27FC236}">
+                <a16:creationId xmlns:a16="http://schemas.microsoft.com/office/drawing/2014/main" id="{127A7C46-0FCF-54A7-075A-900DBD5CB88C}"/>
+              </a:ext>
+            </a:extLst>
+          </p:cNvPr>
+          <p:cNvSpPr txBox="1">
+            <a:spLocks noGrp="1"/>
+          </p:cNvSpPr>
+          <p:nvPr>
+            <p:ph type="title"/>
+          </p:nvPr>
+        </p:nvSpPr>
+        <p:spPr>
+          <a:xfrm>
+            <a:off x="1371599" y="294538"/>
+            <a:ext cx="9895951" cy="1033669"/>
+          </a:xfrm>
+          <a:prstGeom prst="rect">
+            <a:avLst/>
+          </a:prstGeom>
+          <a:noFill/>
+          <a:ln>
+            <a:noFill/>
+          </a:ln>
+        </p:spPr>
+        <p:txBody>
+          <a:bodyPr spcFirstLastPara="1" wrap="square" lIns="91425" tIns="45700" rIns="91425" bIns="45700" anchor="ctr" anchorCtr="0">
+            <a:normAutofit fontScale="90000"/>
+          </a:bodyPr>
+          <a:lstStyle/>
+          <a:p>
+            <a:pPr lvl="0">
+              <a:buClr>
+                <a:srgbClr val="FFFFFF"/>
+              </a:buClr>
+              <a:buSzPts val="4000"/>
+            </a:pPr>
+            <a:r>
+              <a:rPr lang="hu-HU" sz="4000" dirty="0">
+                <a:solidFill>
+                  <a:schemeClr val="bg1"/>
+                </a:solidFill>
+              </a:rPr>
+              <a:t>generate_inputs.py: Véletlen bemeneti konfigurációk generálása</a:t>
+            </a:r>
+            <a:endParaRPr dirty="0">
+              <a:solidFill>
+                <a:schemeClr val="bg1"/>
+              </a:solidFill>
+            </a:endParaRPr>
+          </a:p>
+        </p:txBody>
+      </p:sp>
+      <p:sp>
+        <p:nvSpPr>
+          <p:cNvPr id="158" name="Google Shape;158;p19">
+            <a:extLst>
+              <a:ext uri="{FF2B5EF4-FFF2-40B4-BE49-F238E27FC236}">
+                <a16:creationId xmlns:a16="http://schemas.microsoft.com/office/drawing/2014/main" id="{326044C9-38A9-DAE8-94D7-17A28E72D32F}"/>
+              </a:ext>
+            </a:extLst>
+          </p:cNvPr>
+          <p:cNvSpPr txBox="1">
+            <a:spLocks noGrp="1"/>
+          </p:cNvSpPr>
+          <p:nvPr>
+            <p:ph type="body" idx="1"/>
+          </p:nvPr>
+        </p:nvSpPr>
+        <p:spPr>
+          <a:xfrm>
+            <a:off x="705101" y="1691375"/>
+            <a:ext cx="10781793" cy="5109566"/>
+          </a:xfrm>
+          <a:prstGeom prst="rect">
+            <a:avLst/>
+          </a:prstGeom>
+          <a:noFill/>
+          <a:ln>
+            <a:noFill/>
+          </a:ln>
+        </p:spPr>
+        <p:txBody>
+          <a:bodyPr spcFirstLastPara="1" wrap="square" lIns="91425" tIns="45700" rIns="91425" bIns="45700" anchor="ctr" anchorCtr="0">
+            <a:noAutofit/>
+          </a:bodyPr>
+          <a:lstStyle/>
+          <a:p>
+            <a:pPr marL="228600" lvl="0" indent="-228600">
+              <a:spcBef>
+                <a:spcPts val="100"/>
+              </a:spcBef>
+              <a:spcAft>
+                <a:spcPts val="100"/>
+              </a:spcAft>
+              <a:buSzPts val="2000"/>
+            </a:pPr>
+            <a:r>
+              <a:rPr lang="hu-HU" sz="1500" b="1" dirty="0"/>
+              <a:t>Cél:</a:t>
+            </a:r>
+            <a:br>
+              <a:rPr lang="hu-HU" sz="1500" dirty="0"/>
+            </a:br>
+            <a:r>
+              <a:rPr lang="hu-HU" sz="1500" dirty="0"/>
+              <a:t>100 darab véletlenszerű, </a:t>
+            </a:r>
+            <a:r>
+              <a:rPr lang="hu-HU" sz="1500" b="1" dirty="0"/>
+              <a:t>összefüggő</a:t>
+            </a:r>
+            <a:r>
+              <a:rPr lang="hu-HU" sz="1500" dirty="0"/>
+              <a:t> modul-konfiguráció előállítása egy rácson, amelyet később az algoritmus teszteléséhez használunk.</a:t>
+            </a:r>
+          </a:p>
+          <a:p>
+            <a:r>
+              <a:rPr lang="hu-HU" sz="1500" b="1" dirty="0"/>
+              <a:t>Hogyan működik?</a:t>
+            </a:r>
+          </a:p>
+          <a:p>
+            <a:pPr lvl="1"/>
+            <a:r>
+              <a:rPr lang="hu-HU" sz="1500" dirty="0"/>
+              <a:t>1) Kiindulás egyetlen modulból</a:t>
+            </a:r>
+          </a:p>
+          <a:p>
+            <a:pPr lvl="1"/>
+            <a:r>
+              <a:rPr lang="hu-HU" sz="1500" dirty="0"/>
+              <a:t>Mindig egy modullal kezd: pozíció </a:t>
+            </a:r>
+            <a:r>
+              <a:rPr lang="hu-HU" sz="1500" b="1" dirty="0"/>
+              <a:t>(4, 4)</a:t>
+            </a:r>
+            <a:endParaRPr lang="hu-HU" sz="1500" dirty="0"/>
+          </a:p>
+          <a:p>
+            <a:pPr lvl="1"/>
+            <a:r>
+              <a:rPr lang="hu-HU" sz="1500" dirty="0"/>
+              <a:t>Innen növeszti tovább a struktúrát</a:t>
+            </a:r>
+          </a:p>
+          <a:p>
+            <a:pPr lvl="1"/>
+            <a:r>
+              <a:rPr lang="hu-HU" sz="1500" dirty="0"/>
+              <a:t>Közben figyeli a legnagyobb X és Y értékeket → ebből lesz a rács mérete</a:t>
+            </a:r>
+          </a:p>
+          <a:p>
+            <a:r>
+              <a:rPr lang="hu-HU" sz="1500" b="1" dirty="0"/>
+              <a:t>Modulok “növesztése” véletlenszerűen</a:t>
+            </a:r>
+          </a:p>
+          <a:p>
+            <a:pPr lvl="1"/>
+            <a:r>
+              <a:rPr lang="hu-HU" sz="1500" dirty="0"/>
+              <a:t>A program addig ismétel, amíg el nem éri a kívánt modul-számot:</a:t>
+            </a:r>
+          </a:p>
+          <a:p>
+            <a:pPr lvl="1"/>
+            <a:r>
+              <a:rPr lang="hu-HU" sz="1500" dirty="0"/>
+              <a:t>Véletlenszerűen kiválaszt egy már létező modult</a:t>
+            </a:r>
+          </a:p>
+          <a:p>
+            <a:pPr lvl="1"/>
+            <a:r>
+              <a:rPr lang="hu-HU" sz="1500" dirty="0"/>
+              <a:t>Véletlen irányba “rátesz” mellé egy új modult:</a:t>
+            </a:r>
+            <a:br>
+              <a:rPr lang="hu-HU" sz="1500" dirty="0"/>
+            </a:br>
+            <a:r>
+              <a:rPr lang="hu-HU" sz="1500" dirty="0"/>
+              <a:t> jobbra / balra / fel / le</a:t>
+            </a:r>
+          </a:p>
+          <a:p>
+            <a:r>
+              <a:rPr lang="hu-HU" sz="1500" dirty="0"/>
+              <a:t>Csak akkor fogadja el, ha:</a:t>
+            </a:r>
+          </a:p>
+          <a:p>
+            <a:pPr lvl="1"/>
+            <a:r>
+              <a:rPr lang="hu-HU" sz="1500" dirty="0"/>
+              <a:t>még nincs ilyen modul</a:t>
+            </a:r>
+          </a:p>
+          <a:p>
+            <a:pPr lvl="1"/>
+            <a:r>
+              <a:rPr lang="hu-HU" sz="1500" dirty="0"/>
+              <a:t>nem megy negatív koordinátákba</a:t>
+            </a:r>
+          </a:p>
+          <a:p>
+            <a:pPr lvl="1"/>
+            <a:r>
+              <a:rPr lang="hu-HU" sz="1500" dirty="0"/>
+              <a:t>a struktúra összefüggő marad</a:t>
+            </a:r>
+          </a:p>
+          <a:p>
+            <a:r>
+              <a:rPr lang="hu-HU" sz="1500" dirty="0"/>
+              <a:t>Ez egyfajta </a:t>
+            </a:r>
+            <a:r>
+              <a:rPr lang="hu-HU" sz="1500" b="1" dirty="0"/>
+              <a:t>véletlen fa-szerű növekedést</a:t>
+            </a:r>
+            <a:r>
+              <a:rPr lang="hu-HU" sz="1500" dirty="0"/>
+              <a:t> eredményez.</a:t>
+            </a:r>
+          </a:p>
+          <a:p>
+            <a:pPr marL="228600" lvl="0" indent="-228600">
+              <a:spcBef>
+                <a:spcPts val="100"/>
+              </a:spcBef>
+              <a:spcAft>
+                <a:spcPts val="100"/>
+              </a:spcAft>
+              <a:buSzPts val="2000"/>
+            </a:pPr>
+            <a:endParaRPr lang="hu-HU" sz="1500" dirty="0"/>
+          </a:p>
+        </p:txBody>
+      </p:sp>
+    </p:spTree>
+    <p:extLst>
+      <p:ext uri="{BB962C8B-B14F-4D97-AF65-F5344CB8AC3E}">
+        <p14:creationId xmlns:p14="http://schemas.microsoft.com/office/powerpoint/2010/main" val="744416662"/>
+      </p:ext>
+    </p:extLst>
+  </p:cSld>
+  <p:clrMapOvr>
+    <a:masterClrMapping/>
+  </p:clrMapOvr>
+</p:sld>
+</file>
+
+<file path=ppt/slides/slide15.xml><?xml version="1.0" encoding="utf-8"?>
+<p:sld xmlns:a="http://schemas.openxmlformats.org/drawingml/2006/main" xmlns:r="http://schemas.openxmlformats.org/officeDocument/2006/relationships" xmlns:p="http://schemas.openxmlformats.org/presentationml/2006/main">
+  <p:cSld>
+    <p:spTree>
+      <p:nvGrpSpPr>
+        <p:cNvPr id="1" name="Shape 151">
+          <a:extLst>
+            <a:ext uri="{FF2B5EF4-FFF2-40B4-BE49-F238E27FC236}">
+              <a16:creationId xmlns:a16="http://schemas.microsoft.com/office/drawing/2014/main" id="{EC1371AA-2574-1DBE-BD00-5F079EB42BBC}"/>
+            </a:ext>
+          </a:extLst>
+        </p:cNvPr>
+        <p:cNvGrpSpPr/>
+        <p:nvPr/>
+      </p:nvGrpSpPr>
+      <p:grpSpPr>
+        <a:xfrm>
+          <a:off x="0" y="0"/>
+          <a:ext cx="0" cy="0"/>
+          <a:chOff x="0" y="0"/>
+          <a:chExt cx="0" cy="0"/>
+        </a:xfrm>
+      </p:grpSpPr>
+      <p:sp>
+        <p:nvSpPr>
+          <p:cNvPr id="152" name="Google Shape;152;p19">
+            <a:extLst>
+              <a:ext uri="{FF2B5EF4-FFF2-40B4-BE49-F238E27FC236}">
+                <a16:creationId xmlns:a16="http://schemas.microsoft.com/office/drawing/2014/main" id="{CE9FD40F-4A7F-57CE-3515-D4EFA7A76CDE}"/>
+              </a:ext>
+            </a:extLst>
+          </p:cNvPr>
+          <p:cNvSpPr/>
+          <p:nvPr/>
+        </p:nvSpPr>
+        <p:spPr>
+          <a:xfrm>
+            <a:off x="0" y="0"/>
+            <a:ext cx="12192000" cy="6858000"/>
+          </a:xfrm>
+          <a:prstGeom prst="rect">
+            <a:avLst/>
+          </a:prstGeom>
+          <a:solidFill>
+            <a:schemeClr val="lt1"/>
+          </a:solidFill>
+          <a:ln>
+            <a:noFill/>
+          </a:ln>
+        </p:spPr>
+        <p:txBody>
+          <a:bodyPr spcFirstLastPara="1" wrap="square" lIns="91425" tIns="45700" rIns="91425" bIns="45700" anchor="ctr" anchorCtr="0">
+            <a:noAutofit/>
+          </a:bodyPr>
+          <a:lstStyle/>
+          <a:p>
+            <a:pPr marL="0" marR="0" lvl="0" indent="0" algn="ctr" rtl="0">
+              <a:spcBef>
+                <a:spcPts val="0"/>
+              </a:spcBef>
+              <a:spcAft>
+                <a:spcPts val="0"/>
+              </a:spcAft>
+              <a:buNone/>
+            </a:pPr>
+            <a:endParaRPr sz="1800" b="0" i="0" u="none" strike="noStrike" cap="none" dirty="0">
+              <a:solidFill>
+                <a:schemeClr val="lt1"/>
+              </a:solidFill>
+              <a:latin typeface="Arial"/>
+              <a:ea typeface="Arial"/>
+              <a:cs typeface="Arial"/>
+              <a:sym typeface="Arial"/>
+            </a:endParaRPr>
+          </a:p>
+        </p:txBody>
+      </p:sp>
+      <p:sp>
+        <p:nvSpPr>
+          <p:cNvPr id="153" name="Google Shape;153;p19">
+            <a:extLst>
+              <a:ext uri="{FF2B5EF4-FFF2-40B4-BE49-F238E27FC236}">
+                <a16:creationId xmlns:a16="http://schemas.microsoft.com/office/drawing/2014/main" id="{563ABDDA-5EDC-EAE5-874B-68BC602ACF17}"/>
+              </a:ext>
+            </a:extLst>
+          </p:cNvPr>
+          <p:cNvSpPr/>
+          <p:nvPr/>
+        </p:nvSpPr>
+        <p:spPr>
+          <a:xfrm flipH="1">
+            <a:off x="-1" y="-1"/>
+            <a:ext cx="12191998" cy="1590742"/>
+          </a:xfrm>
+          <a:prstGeom prst="rect">
+            <a:avLst/>
+          </a:prstGeom>
+          <a:gradFill>
+            <a:gsLst>
+              <a:gs pos="0">
+                <a:srgbClr val="000000"/>
+              </a:gs>
+              <a:gs pos="100000">
+                <a:srgbClr val="0F4861"/>
+              </a:gs>
+            </a:gsLst>
+            <a:lin ang="8400000" scaled="0"/>
+          </a:gradFill>
+          <a:ln>
+            <a:noFill/>
+          </a:ln>
+        </p:spPr>
+        <p:txBody>
+          <a:bodyPr spcFirstLastPara="1" wrap="square" lIns="91425" tIns="45700" rIns="91425" bIns="45700" anchor="ctr" anchorCtr="0">
+            <a:noAutofit/>
+          </a:bodyPr>
+          <a:lstStyle/>
+          <a:p>
+            <a:pPr marL="0" marR="0" lvl="0" indent="0" algn="ctr" rtl="0">
+              <a:spcBef>
+                <a:spcPts val="0"/>
+              </a:spcBef>
+              <a:spcAft>
+                <a:spcPts val="0"/>
+              </a:spcAft>
+              <a:buNone/>
+            </a:pPr>
+            <a:endParaRPr sz="1800" b="0" i="0" u="none" strike="noStrike" cap="none">
+              <a:solidFill>
+                <a:schemeClr val="lt1"/>
+              </a:solidFill>
+              <a:latin typeface="Arial"/>
+              <a:ea typeface="Arial"/>
+              <a:cs typeface="Arial"/>
+              <a:sym typeface="Arial"/>
+            </a:endParaRPr>
+          </a:p>
+        </p:txBody>
+      </p:sp>
+      <p:sp>
+        <p:nvSpPr>
+          <p:cNvPr id="154" name="Google Shape;154;p19">
+            <a:extLst>
+              <a:ext uri="{FF2B5EF4-FFF2-40B4-BE49-F238E27FC236}">
+                <a16:creationId xmlns:a16="http://schemas.microsoft.com/office/drawing/2014/main" id="{44FFD45B-EFF7-EEB8-5D5E-E0B89A99C9FF}"/>
+              </a:ext>
+            </a:extLst>
+          </p:cNvPr>
+          <p:cNvSpPr/>
+          <p:nvPr/>
+        </p:nvSpPr>
+        <p:spPr>
+          <a:xfrm rot="10800000" flipH="1">
+            <a:off x="-3" y="0"/>
+            <a:ext cx="8115306" cy="1590742"/>
+          </a:xfrm>
+          <a:prstGeom prst="rect">
+            <a:avLst/>
+          </a:prstGeom>
+          <a:gradFill>
+            <a:gsLst>
+              <a:gs pos="0">
+                <a:srgbClr val="156082">
+                  <a:alpha val="0"/>
+                </a:srgbClr>
+              </a:gs>
+              <a:gs pos="20000">
+                <a:srgbClr val="156082">
+                  <a:alpha val="0"/>
+                </a:srgbClr>
+              </a:gs>
+              <a:gs pos="100000">
+                <a:srgbClr val="0A3041">
+                  <a:alpha val="54901"/>
+                </a:srgbClr>
+              </a:gs>
+            </a:gsLst>
+            <a:lin ang="13800001" scaled="0"/>
+          </a:gradFill>
+          <a:ln>
+            <a:noFill/>
+          </a:ln>
+        </p:spPr>
+        <p:txBody>
+          <a:bodyPr spcFirstLastPara="1" wrap="square" lIns="91425" tIns="45700" rIns="91425" bIns="45700" anchor="ctr" anchorCtr="0">
+            <a:noAutofit/>
+          </a:bodyPr>
+          <a:lstStyle/>
+          <a:p>
+            <a:pPr marL="0" marR="0" lvl="0" indent="0" algn="ctr" rtl="0">
+              <a:spcBef>
+                <a:spcPts val="0"/>
+              </a:spcBef>
+              <a:spcAft>
+                <a:spcPts val="0"/>
+              </a:spcAft>
+              <a:buNone/>
+            </a:pPr>
+            <a:endParaRPr sz="1800" b="0" i="0" u="none" strike="noStrike" cap="none">
+              <a:solidFill>
+                <a:schemeClr val="lt1"/>
+              </a:solidFill>
+              <a:latin typeface="Arial"/>
+              <a:ea typeface="Arial"/>
+              <a:cs typeface="Arial"/>
+              <a:sym typeface="Arial"/>
+            </a:endParaRPr>
+          </a:p>
+        </p:txBody>
+      </p:sp>
+      <p:sp>
+        <p:nvSpPr>
+          <p:cNvPr id="155" name="Google Shape;155;p19">
+            <a:extLst>
+              <a:ext uri="{FF2B5EF4-FFF2-40B4-BE49-F238E27FC236}">
+                <a16:creationId xmlns:a16="http://schemas.microsoft.com/office/drawing/2014/main" id="{57A84D28-64E8-66F6-C9DB-CA38D6926AD0}"/>
+              </a:ext>
+            </a:extLst>
+          </p:cNvPr>
+          <p:cNvSpPr/>
+          <p:nvPr/>
+        </p:nvSpPr>
+        <p:spPr>
+          <a:xfrm flipH="1">
+            <a:off x="8115299" y="-1"/>
+            <a:ext cx="4076698" cy="1590742"/>
+          </a:xfrm>
+          <a:prstGeom prst="rect">
+            <a:avLst/>
+          </a:prstGeom>
+          <a:gradFill>
+            <a:gsLst>
+              <a:gs pos="0">
+                <a:srgbClr val="156082">
+                  <a:alpha val="65882"/>
+                </a:srgbClr>
+              </a:gs>
+              <a:gs pos="100000">
+                <a:srgbClr val="000000">
+                  <a:alpha val="29803"/>
+                </a:srgbClr>
+              </a:gs>
+            </a:gsLst>
+            <a:lin ang="13200000" scaled="0"/>
+          </a:gradFill>
+          <a:ln>
+            <a:noFill/>
+          </a:ln>
+        </p:spPr>
+        <p:txBody>
+          <a:bodyPr spcFirstLastPara="1" wrap="square" lIns="91425" tIns="45700" rIns="91425" bIns="45700" anchor="ctr" anchorCtr="0">
+            <a:noAutofit/>
+          </a:bodyPr>
+          <a:lstStyle/>
+          <a:p>
+            <a:pPr marL="0" marR="0" lvl="0" indent="0" algn="ctr" rtl="0">
+              <a:spcBef>
+                <a:spcPts val="0"/>
+              </a:spcBef>
+              <a:spcAft>
+                <a:spcPts val="0"/>
+              </a:spcAft>
+              <a:buNone/>
+            </a:pPr>
+            <a:endParaRPr sz="1800" b="0" i="0" u="none" strike="noStrike" cap="none">
+              <a:solidFill>
+                <a:schemeClr val="lt1"/>
+              </a:solidFill>
+              <a:latin typeface="Arial"/>
+              <a:ea typeface="Arial"/>
+              <a:cs typeface="Arial"/>
+              <a:sym typeface="Arial"/>
+            </a:endParaRPr>
+          </a:p>
+        </p:txBody>
+      </p:sp>
+      <p:sp>
+        <p:nvSpPr>
+          <p:cNvPr id="156" name="Google Shape;156;p19">
+            <a:extLst>
+              <a:ext uri="{FF2B5EF4-FFF2-40B4-BE49-F238E27FC236}">
+                <a16:creationId xmlns:a16="http://schemas.microsoft.com/office/drawing/2014/main" id="{FB0C5E23-7A84-D35F-D54A-E34F0371F510}"/>
+              </a:ext>
+            </a:extLst>
+          </p:cNvPr>
+          <p:cNvSpPr/>
+          <p:nvPr/>
+        </p:nvSpPr>
+        <p:spPr>
+          <a:xfrm>
+            <a:off x="229675" y="36884"/>
+            <a:ext cx="11732646" cy="1597433"/>
+          </a:xfrm>
+          <a:prstGeom prst="rect">
+            <a:avLst/>
+          </a:prstGeom>
+          <a:gradFill>
+            <a:gsLst>
+              <a:gs pos="0">
+                <a:srgbClr val="000000">
+                  <a:alpha val="0"/>
+                </a:srgbClr>
+              </a:gs>
+              <a:gs pos="50000">
+                <a:srgbClr val="000000">
+                  <a:alpha val="0"/>
+                </a:srgbClr>
+              </a:gs>
+              <a:gs pos="99000">
+                <a:srgbClr val="0A3041">
+                  <a:alpha val="51764"/>
+                </a:srgbClr>
+              </a:gs>
+              <a:gs pos="100000">
+                <a:srgbClr val="0A3041">
+                  <a:alpha val="51764"/>
+                </a:srgbClr>
+              </a:gs>
+            </a:gsLst>
+            <a:lin ang="16800000" scaled="0"/>
+          </a:gradFill>
+          <a:ln>
+            <a:noFill/>
+          </a:ln>
+        </p:spPr>
+        <p:txBody>
+          <a:bodyPr spcFirstLastPara="1" wrap="square" lIns="91425" tIns="45700" rIns="91425" bIns="45700" anchor="ctr" anchorCtr="0">
+            <a:noAutofit/>
+          </a:bodyPr>
+          <a:lstStyle/>
+          <a:p>
+            <a:pPr marL="0" marR="0" lvl="0" indent="0" algn="ctr" rtl="0">
+              <a:spcBef>
+                <a:spcPts val="0"/>
+              </a:spcBef>
+              <a:spcAft>
+                <a:spcPts val="0"/>
+              </a:spcAft>
+              <a:buNone/>
+            </a:pPr>
+            <a:endParaRPr sz="1800" b="0" i="0" u="none" strike="noStrike" cap="none">
+              <a:solidFill>
+                <a:schemeClr val="lt1"/>
+              </a:solidFill>
+              <a:latin typeface="Arial"/>
+              <a:ea typeface="Arial"/>
+              <a:cs typeface="Arial"/>
+              <a:sym typeface="Arial"/>
+            </a:endParaRPr>
+          </a:p>
+        </p:txBody>
+      </p:sp>
+      <p:sp>
+        <p:nvSpPr>
+          <p:cNvPr id="157" name="Google Shape;157;p19">
+            <a:extLst>
+              <a:ext uri="{FF2B5EF4-FFF2-40B4-BE49-F238E27FC236}">
+                <a16:creationId xmlns:a16="http://schemas.microsoft.com/office/drawing/2014/main" id="{3C0510BB-BDB4-4682-8D15-DEA60E4641DD}"/>
+              </a:ext>
+            </a:extLst>
+          </p:cNvPr>
+          <p:cNvSpPr txBox="1">
+            <a:spLocks noGrp="1"/>
+          </p:cNvSpPr>
+          <p:nvPr>
+            <p:ph type="title"/>
+          </p:nvPr>
+        </p:nvSpPr>
+        <p:spPr>
+          <a:xfrm>
+            <a:off x="1371599" y="294538"/>
+            <a:ext cx="9895951" cy="1033669"/>
+          </a:xfrm>
+          <a:prstGeom prst="rect">
+            <a:avLst/>
+          </a:prstGeom>
+          <a:noFill/>
+          <a:ln>
+            <a:noFill/>
+          </a:ln>
+        </p:spPr>
+        <p:txBody>
+          <a:bodyPr spcFirstLastPara="1" wrap="square" lIns="91425" tIns="45700" rIns="91425" bIns="45700" anchor="ctr" anchorCtr="0">
+            <a:normAutofit fontScale="90000"/>
+          </a:bodyPr>
+          <a:lstStyle/>
+          <a:p>
+            <a:pPr lvl="0">
+              <a:buClr>
+                <a:srgbClr val="FFFFFF"/>
+              </a:buClr>
+              <a:buSzPts val="4000"/>
+            </a:pPr>
+            <a:r>
+              <a:rPr lang="hu-HU" sz="4000" dirty="0">
+                <a:solidFill>
+                  <a:schemeClr val="bg1"/>
+                </a:solidFill>
+              </a:rPr>
+              <a:t>bulk_run.py: Tömeges tesztelés és teljesítménymérés</a:t>
+            </a:r>
+            <a:endParaRPr dirty="0">
+              <a:solidFill>
+                <a:schemeClr val="bg1"/>
+              </a:solidFill>
+            </a:endParaRPr>
+          </a:p>
+        </p:txBody>
+      </p:sp>
+      <p:sp>
+        <p:nvSpPr>
+          <p:cNvPr id="158" name="Google Shape;158;p19">
+            <a:extLst>
+              <a:ext uri="{FF2B5EF4-FFF2-40B4-BE49-F238E27FC236}">
+                <a16:creationId xmlns:a16="http://schemas.microsoft.com/office/drawing/2014/main" id="{C8689240-E32A-B21B-FE00-898510C13AE5}"/>
+              </a:ext>
+            </a:extLst>
+          </p:cNvPr>
+          <p:cNvSpPr txBox="1">
+            <a:spLocks noGrp="1"/>
+          </p:cNvSpPr>
+          <p:nvPr>
+            <p:ph type="body" idx="1"/>
+          </p:nvPr>
+        </p:nvSpPr>
+        <p:spPr>
+          <a:xfrm>
+            <a:off x="705101" y="1691375"/>
+            <a:ext cx="10781793" cy="5109566"/>
+          </a:xfrm>
+          <a:prstGeom prst="rect">
+            <a:avLst/>
+          </a:prstGeom>
+          <a:noFill/>
+          <a:ln>
+            <a:noFill/>
+          </a:ln>
+        </p:spPr>
+        <p:txBody>
+          <a:bodyPr spcFirstLastPara="1" wrap="square" lIns="91425" tIns="45700" rIns="91425" bIns="45700" anchor="ctr" anchorCtr="0">
+            <a:noAutofit/>
+          </a:bodyPr>
+          <a:lstStyle/>
+          <a:p>
+            <a:r>
+              <a:rPr lang="hu-HU" sz="1500" b="1" dirty="0"/>
+              <a:t>Cél: </a:t>
+            </a:r>
+            <a:r>
+              <a:rPr lang="hu-HU" sz="1500" dirty="0"/>
+              <a:t>A program automatikusan </a:t>
+            </a:r>
+            <a:r>
+              <a:rPr lang="hu-HU" sz="1500" b="1" dirty="0"/>
+              <a:t>százszámra futtatja</a:t>
+            </a:r>
+            <a:r>
+              <a:rPr lang="hu-HU" sz="1500" dirty="0"/>
+              <a:t> a modul-átalakító algoritmust különböző méretű struktúrákon, hogy mérje:</a:t>
+            </a:r>
+          </a:p>
+          <a:p>
+            <a:pPr lvl="1"/>
+            <a:r>
+              <a:rPr lang="hu-HU" sz="1500" dirty="0"/>
+              <a:t>milyen gyakran sikerül az átalakítás</a:t>
+            </a:r>
+          </a:p>
+          <a:p>
+            <a:pPr lvl="1"/>
+            <a:r>
+              <a:rPr lang="hu-HU" sz="1500" dirty="0"/>
+              <a:t>hány lépés (művelet) kell hozzá</a:t>
+            </a:r>
+          </a:p>
+          <a:p>
+            <a:r>
+              <a:rPr lang="hu-HU" sz="1500" b="1" dirty="0"/>
+              <a:t>Hogyan működik?</a:t>
+            </a:r>
+          </a:p>
+          <a:p>
+            <a:pPr lvl="1"/>
+            <a:r>
+              <a:rPr lang="hu-HU" sz="1500" b="1" dirty="0"/>
+              <a:t>Beolvas egy kiinduló alakzatot</a:t>
+            </a:r>
+          </a:p>
+          <a:p>
+            <a:pPr lvl="2"/>
+            <a:r>
+              <a:rPr lang="hu-HU" sz="1500" dirty="0"/>
+              <a:t>Fájlból olvas be rácsokat (0 = üres, 1 = modul)</a:t>
+            </a:r>
+          </a:p>
+          <a:p>
+            <a:pPr lvl="2"/>
+            <a:r>
+              <a:rPr lang="hu-HU" sz="1500" dirty="0"/>
+              <a:t>Ezekből állítja elő a tesztelendő kiindulási és célalakzatokat</a:t>
+            </a:r>
+          </a:p>
+          <a:p>
+            <a:pPr lvl="1"/>
+            <a:r>
+              <a:rPr lang="hu-HU" sz="1500" b="1" dirty="0"/>
+              <a:t>Végigmegy a modul-számokon: 20 → 350 majd </a:t>
+            </a:r>
+            <a:r>
+              <a:rPr lang="hu-HU" sz="1500" b="1"/>
+              <a:t>350 → 500</a:t>
+            </a:r>
+            <a:endParaRPr lang="hu-HU" sz="1500" b="1" dirty="0"/>
+          </a:p>
+          <a:p>
+            <a:pPr lvl="2"/>
+            <a:r>
+              <a:rPr lang="hu-HU" sz="1500" dirty="0"/>
+              <a:t>Minden modul-számnál:</a:t>
+            </a:r>
+          </a:p>
+          <a:p>
+            <a:pPr lvl="2"/>
+            <a:r>
+              <a:rPr lang="hu-HU" sz="1500" dirty="0"/>
+              <a:t>Legenerál 100 véletlen konfigurációt</a:t>
+            </a:r>
+          </a:p>
+          <a:p>
+            <a:pPr lvl="2"/>
+            <a:r>
+              <a:rPr lang="hu-HU" sz="1500" dirty="0"/>
+              <a:t>Ezekből véletlenszerűen kiválaszt kettőt (start + cél)</a:t>
+            </a:r>
+          </a:p>
+          <a:p>
+            <a:pPr lvl="2"/>
+            <a:r>
+              <a:rPr lang="hu-HU" sz="1500" dirty="0"/>
+              <a:t>10 futtatást végez modul-számonként</a:t>
+            </a:r>
+          </a:p>
+          <a:p>
+            <a:pPr lvl="1"/>
+            <a:r>
+              <a:rPr lang="hu-HU" sz="1500" b="1" dirty="0"/>
+              <a:t>Futtatja az algoritmust “láthatatlan” módban</a:t>
+            </a:r>
+          </a:p>
+          <a:p>
+            <a:pPr lvl="2"/>
+            <a:r>
+              <a:rPr lang="hu-HU" sz="1500" dirty="0"/>
+              <a:t>Elindítja a teljes átalakítási folyamatot (fázis 1–4)</a:t>
+            </a:r>
+          </a:p>
+          <a:p>
+            <a:pPr lvl="2"/>
+            <a:r>
+              <a:rPr lang="hu-HU" sz="1500" dirty="0"/>
+              <a:t>Megszámolja, hány lépés kellett a teljes átalakuláshoz</a:t>
+            </a:r>
+          </a:p>
+          <a:p>
+            <a:pPr lvl="2"/>
+            <a:r>
+              <a:rPr lang="hu-HU" sz="1500" dirty="0"/>
+              <a:t>Kezeli a hibákat is (pl. ha meghiúsul egy átalakítás)</a:t>
+            </a:r>
+          </a:p>
+          <a:p>
+            <a:endParaRPr lang="hu-HU" sz="1500" dirty="0"/>
+          </a:p>
+        </p:txBody>
+      </p:sp>
+    </p:spTree>
+    <p:extLst>
+      <p:ext uri="{BB962C8B-B14F-4D97-AF65-F5344CB8AC3E}">
+        <p14:creationId xmlns:p14="http://schemas.microsoft.com/office/powerpoint/2010/main" val="2545045543"/>
+      </p:ext>
+    </p:extLst>
+  </p:cSld>
+  <p:clrMapOvr>
+    <a:masterClrMapping/>
+  </p:clrMapOvr>
+</p:sld>
+</file>
+
+<file path=ppt/slides/slide16.xml><?xml version="1.0" encoding="utf-8"?>
+<p:sld xmlns:a="http://schemas.openxmlformats.org/drawingml/2006/main" xmlns:r="http://schemas.openxmlformats.org/officeDocument/2006/relationships" xmlns:p="http://schemas.openxmlformats.org/presentationml/2006/main">
+  <p:cSld>
     <p:bg>
       <p:bgPr>
         <a:solidFill>
